--- a/presantation/Md Yasin Arif Spring Boot.pptx
+++ b/presantation/Md Yasin Arif Spring Boot.pptx
@@ -15,14 +15,34 @@
     <p:sldId id="273" r:id="rId9"/>
     <p:sldId id="274" r:id="rId10"/>
     <p:sldId id="275" r:id="rId11"/>
-    <p:sldId id="258" r:id="rId12"/>
-    <p:sldId id="261" r:id="rId13"/>
-    <p:sldId id="264" r:id="rId14"/>
-    <p:sldId id="263" r:id="rId15"/>
-    <p:sldId id="265" r:id="rId16"/>
-    <p:sldId id="266" r:id="rId17"/>
-    <p:sldId id="269" r:id="rId18"/>
+    <p:sldId id="276" r:id="rId12"/>
+    <p:sldId id="277" r:id="rId13"/>
+    <p:sldId id="278" r:id="rId14"/>
+    <p:sldId id="279" r:id="rId15"/>
+    <p:sldId id="281" r:id="rId16"/>
+    <p:sldId id="294" r:id="rId17"/>
+    <p:sldId id="295" r:id="rId18"/>
     <p:sldId id="270" r:id="rId19"/>
+    <p:sldId id="284" r:id="rId20"/>
+    <p:sldId id="286" r:id="rId21"/>
+    <p:sldId id="283" r:id="rId22"/>
+    <p:sldId id="296" r:id="rId23"/>
+    <p:sldId id="297" r:id="rId24"/>
+    <p:sldId id="287" r:id="rId25"/>
+    <p:sldId id="258" r:id="rId26"/>
+    <p:sldId id="261" r:id="rId27"/>
+    <p:sldId id="264" r:id="rId28"/>
+    <p:sldId id="265" r:id="rId29"/>
+    <p:sldId id="280" r:id="rId30"/>
+    <p:sldId id="282" r:id="rId31"/>
+    <p:sldId id="269" r:id="rId32"/>
+    <p:sldId id="285" r:id="rId33"/>
+    <p:sldId id="298" r:id="rId34"/>
+    <p:sldId id="288" r:id="rId35"/>
+    <p:sldId id="289" r:id="rId36"/>
+    <p:sldId id="290" r:id="rId37"/>
+    <p:sldId id="291" r:id="rId38"/>
+    <p:sldId id="293" r:id="rId39"/>
   </p:sldIdLst>
   <p:sldSz cx="12192000" cy="6858000"/>
   <p:notesSz cx="6858000" cy="9144000"/>
@@ -123,7 +143,7 @@
   </p:defaultTextStyle>
   <p:extLst>
     <p:ext uri="{EFAFB233-063F-42B5-8137-9DF3F51BA10A}">
-      <p15:sldGuideLst xmlns:p15="http://schemas.microsoft.com/office/powerpoint/2012/main"/>
+      <p15:sldGuideLst xmlns="" xmlns:p15="http://schemas.microsoft.com/office/powerpoint/2012/main"/>
     </p:ext>
   </p:extLst>
 </p:presentation>
@@ -5794,7 +5814,7 @@
           <p:cNvPr id="2" name="Title 1">
             <a:extLst>
               <a:ext uri="{FF2B5EF4-FFF2-40B4-BE49-F238E27FC236}">
-                <a16:creationId xmlns:a16="http://schemas.microsoft.com/office/drawing/2014/main" id="{58C30DFF-466B-4D35-BD02-61216E38116F}"/>
+                <a16:creationId xmlns="" xmlns:a16="http://schemas.microsoft.com/office/drawing/2014/main" id="{58C30DFF-466B-4D35-BD02-61216E38116F}"/>
               </a:ext>
             </a:extLst>
           </p:cNvPr>
@@ -5869,7 +5889,7 @@
           <p:cNvPr id="3" name="Subtitle 2">
             <a:extLst>
               <a:ext uri="{FF2B5EF4-FFF2-40B4-BE49-F238E27FC236}">
-                <a16:creationId xmlns:a16="http://schemas.microsoft.com/office/drawing/2014/main" id="{F5CD93F1-8DB9-44D3-8A33-18A5AD5C0684}"/>
+                <a16:creationId xmlns="" xmlns:a16="http://schemas.microsoft.com/office/drawing/2014/main" id="{F5CD93F1-8DB9-44D3-8A33-18A5AD5C0684}"/>
               </a:ext>
             </a:extLst>
           </p:cNvPr>
@@ -5947,11 +5967,7 @@
             </a:r>
             <a:r>
               <a:rPr lang="en-US" b="1" i="1" dirty="0" smtClean="0"/>
-              <a:t>Spring Boot, Maven, </a:t>
-            </a:r>
-            <a:r>
-              <a:rPr lang="en-US" b="1" i="1" dirty="0" smtClean="0"/>
-              <a:t>Spring MVC, Spring </a:t>
+              <a:t>Spring Boot, Maven, Spring MVC, Spring </a:t>
             </a:r>
             <a:r>
               <a:rPr lang="en-US" b="1" i="1" dirty="0" err="1" smtClean="0"/>
@@ -6019,7 +6035,7 @@
           <p:cNvPr id="2" name="Title 1">
             <a:extLst>
               <a:ext uri="{FF2B5EF4-FFF2-40B4-BE49-F238E27FC236}">
-                <a16:creationId xmlns:a16="http://schemas.microsoft.com/office/drawing/2014/main" id="{05BA976B-CBDA-4A5C-A81F-8D2DDA06C63F}"/>
+                <a16:creationId xmlns="" xmlns:a16="http://schemas.microsoft.com/office/drawing/2014/main" id="{05BA976B-CBDA-4A5C-A81F-8D2DDA06C63F}"/>
               </a:ext>
             </a:extLst>
           </p:cNvPr>
@@ -6066,8 +6082,8 @@
         </p:blipFill>
         <p:spPr>
           <a:xfrm>
-            <a:off x="905570" y="1930400"/>
-            <a:ext cx="7709296" cy="4111625"/>
+            <a:off x="905570" y="1313646"/>
+            <a:ext cx="7709296" cy="4728380"/>
           </a:xfrm>
         </p:spPr>
       </p:pic>
@@ -6113,7 +6129,7 @@
           <p:cNvPr id="2" name="Title 1">
             <a:extLst>
               <a:ext uri="{FF2B5EF4-FFF2-40B4-BE49-F238E27FC236}">
-                <a16:creationId xmlns:a16="http://schemas.microsoft.com/office/drawing/2014/main" id="{BA406798-6FD2-4804-9AF7-5118C46189D3}"/>
+                <a16:creationId xmlns="" xmlns:a16="http://schemas.microsoft.com/office/drawing/2014/main" id="{05BA976B-CBDA-4A5C-A81F-8D2DDA06C63F}"/>
               </a:ext>
             </a:extLst>
           </p:cNvPr>
@@ -6131,7 +6147,7 @@
           <a:p>
             <a:r>
               <a:rPr lang="en-US" dirty="0" smtClean="0"/>
-              <a:t>Home Page</a:t>
+              <a:t>Sign Up Police</a:t>
             </a:r>
             <a:endParaRPr lang="en-US" dirty="0"/>
           </a:p>
@@ -6139,7 +6155,7 @@
       </p:sp>
       <p:pic>
         <p:nvPicPr>
-          <p:cNvPr id="5" name="Content Placeholder 4"/>
+          <p:cNvPr id="4" name="Content Placeholder 3"/>
           <p:cNvPicPr>
             <a:picLocks noGrp="1" noChangeAspect="1"/>
           </p:cNvPicPr>
@@ -6161,15 +6177,15 @@
         </p:blipFill>
         <p:spPr>
           <a:xfrm>
-            <a:off x="1333151" y="2160588"/>
-            <a:ext cx="7285735" cy="3881437"/>
+            <a:off x="2187975" y="1416675"/>
+            <a:ext cx="5015616" cy="4997003"/>
           </a:xfrm>
         </p:spPr>
       </p:pic>
     </p:spTree>
     <p:extLst>
       <p:ext uri="{BB962C8B-B14F-4D97-AF65-F5344CB8AC3E}">
-        <p14:creationId xmlns:p14="http://schemas.microsoft.com/office/powerpoint/2010/main" val="3135475899"/>
+        <p14:creationId xmlns:p14="http://schemas.microsoft.com/office/powerpoint/2010/main" val="3985077728"/>
       </p:ext>
     </p:extLst>
   </p:cSld>
@@ -6208,7 +6224,1413 @@
           <p:cNvPr id="2" name="Title 1">
             <a:extLst>
               <a:ext uri="{FF2B5EF4-FFF2-40B4-BE49-F238E27FC236}">
-                <a16:creationId xmlns:a16="http://schemas.microsoft.com/office/drawing/2014/main" id="{46B39C78-7FDD-499E-9E38-FA2FC174917A}"/>
+                <a16:creationId xmlns="" xmlns:a16="http://schemas.microsoft.com/office/drawing/2014/main" id="{05BA976B-CBDA-4A5C-A81F-8D2DDA06C63F}"/>
+              </a:ext>
+            </a:extLst>
+          </p:cNvPr>
+          <p:cNvSpPr>
+            <a:spLocks noGrp="1"/>
+          </p:cNvSpPr>
+          <p:nvPr>
+            <p:ph type="title"/>
+          </p:nvPr>
+        </p:nvSpPr>
+        <p:spPr/>
+        <p:txBody>
+          <a:bodyPr/>
+          <a:lstStyle/>
+          <a:p>
+            <a:r>
+              <a:rPr lang="en-US" dirty="0" smtClean="0"/>
+              <a:t>Sign Up House Owner</a:t>
+            </a:r>
+            <a:endParaRPr lang="en-US" dirty="0"/>
+          </a:p>
+        </p:txBody>
+      </p:sp>
+      <p:pic>
+        <p:nvPicPr>
+          <p:cNvPr id="5" name="Content Placeholder 4"/>
+          <p:cNvPicPr>
+            <a:picLocks noGrp="1" noChangeAspect="1"/>
+          </p:cNvPicPr>
+          <p:nvPr>
+            <p:ph idx="1"/>
+          </p:nvPr>
+        </p:nvPicPr>
+        <p:blipFill>
+          <a:blip r:embed="rId2">
+            <a:extLst>
+              <a:ext uri="{28A0092B-C50C-407E-A947-70E740481C1C}">
+                <a14:useLocalDpi xmlns:a14="http://schemas.microsoft.com/office/drawing/2010/main" val="0"/>
+              </a:ext>
+            </a:extLst>
+          </a:blip>
+          <a:stretch>
+            <a:fillRect/>
+          </a:stretch>
+        </p:blipFill>
+        <p:spPr>
+          <a:xfrm>
+            <a:off x="2713995" y="1287887"/>
+            <a:ext cx="4121199" cy="5125791"/>
+          </a:xfrm>
+        </p:spPr>
+      </p:pic>
+    </p:spTree>
+    <p:extLst>
+      <p:ext uri="{BB962C8B-B14F-4D97-AF65-F5344CB8AC3E}">
+        <p14:creationId xmlns:p14="http://schemas.microsoft.com/office/powerpoint/2010/main" val="3145243068"/>
+      </p:ext>
+    </p:extLst>
+  </p:cSld>
+  <p:clrMapOvr>
+    <a:masterClrMapping/>
+  </p:clrMapOvr>
+  <p:timing>
+    <p:tnLst>
+      <p:par>
+        <p:cTn id="1" dur="indefinite" restart="never" nodeType="tmRoot"/>
+      </p:par>
+    </p:tnLst>
+  </p:timing>
+</p:sld>
+</file>
+
+<file path=ppt/slides/slide13.xml><?xml version="1.0" encoding="utf-8"?>
+<p:sld xmlns:a="http://schemas.openxmlformats.org/drawingml/2006/main" xmlns:r="http://schemas.openxmlformats.org/officeDocument/2006/relationships" xmlns:p="http://schemas.openxmlformats.org/presentationml/2006/main">
+  <p:cSld>
+    <p:spTree>
+      <p:nvGrpSpPr>
+        <p:cNvPr id="1" name=""/>
+        <p:cNvGrpSpPr/>
+        <p:nvPr/>
+      </p:nvGrpSpPr>
+      <p:grpSpPr>
+        <a:xfrm>
+          <a:off x="0" y="0"/>
+          <a:ext cx="0" cy="0"/>
+          <a:chOff x="0" y="0"/>
+          <a:chExt cx="0" cy="0"/>
+        </a:xfrm>
+      </p:grpSpPr>
+      <p:sp>
+        <p:nvSpPr>
+          <p:cNvPr id="2" name="Title 1">
+            <a:extLst>
+              <a:ext uri="{FF2B5EF4-FFF2-40B4-BE49-F238E27FC236}">
+                <a16:creationId xmlns="" xmlns:a16="http://schemas.microsoft.com/office/drawing/2014/main" id="{05BA976B-CBDA-4A5C-A81F-8D2DDA06C63F}"/>
+              </a:ext>
+            </a:extLst>
+          </p:cNvPr>
+          <p:cNvSpPr>
+            <a:spLocks noGrp="1"/>
+          </p:cNvSpPr>
+          <p:nvPr>
+            <p:ph type="title"/>
+          </p:nvPr>
+        </p:nvSpPr>
+        <p:spPr/>
+        <p:txBody>
+          <a:bodyPr/>
+          <a:lstStyle/>
+          <a:p>
+            <a:r>
+              <a:rPr lang="en-US" dirty="0" smtClean="0"/>
+              <a:t>Sign Up Tenant</a:t>
+            </a:r>
+            <a:endParaRPr lang="en-US" dirty="0"/>
+          </a:p>
+        </p:txBody>
+      </p:sp>
+      <p:pic>
+        <p:nvPicPr>
+          <p:cNvPr id="4" name="Content Placeholder 3"/>
+          <p:cNvPicPr>
+            <a:picLocks noGrp="1" noChangeAspect="1"/>
+          </p:cNvPicPr>
+          <p:nvPr>
+            <p:ph idx="1"/>
+          </p:nvPr>
+        </p:nvPicPr>
+        <p:blipFill>
+          <a:blip r:embed="rId2">
+            <a:extLst>
+              <a:ext uri="{28A0092B-C50C-407E-A947-70E740481C1C}">
+                <a14:useLocalDpi xmlns:a14="http://schemas.microsoft.com/office/drawing/2010/main" val="0"/>
+              </a:ext>
+            </a:extLst>
+          </a:blip>
+          <a:stretch>
+            <a:fillRect/>
+          </a:stretch>
+        </p:blipFill>
+        <p:spPr>
+          <a:xfrm>
+            <a:off x="2888473" y="1365162"/>
+            <a:ext cx="3979509" cy="5215942"/>
+          </a:xfrm>
+        </p:spPr>
+      </p:pic>
+    </p:spTree>
+    <p:extLst>
+      <p:ext uri="{BB962C8B-B14F-4D97-AF65-F5344CB8AC3E}">
+        <p14:creationId xmlns:p14="http://schemas.microsoft.com/office/powerpoint/2010/main" val="2508015143"/>
+      </p:ext>
+    </p:extLst>
+  </p:cSld>
+  <p:clrMapOvr>
+    <a:masterClrMapping/>
+  </p:clrMapOvr>
+  <p:timing>
+    <p:tnLst>
+      <p:par>
+        <p:cTn id="1" dur="indefinite" restart="never" nodeType="tmRoot"/>
+      </p:par>
+    </p:tnLst>
+  </p:timing>
+</p:sld>
+</file>
+
+<file path=ppt/slides/slide14.xml><?xml version="1.0" encoding="utf-8"?>
+<p:sld xmlns:a="http://schemas.openxmlformats.org/drawingml/2006/main" xmlns:r="http://schemas.openxmlformats.org/officeDocument/2006/relationships" xmlns:p="http://schemas.openxmlformats.org/presentationml/2006/main">
+  <p:cSld>
+    <p:spTree>
+      <p:nvGrpSpPr>
+        <p:cNvPr id="1" name=""/>
+        <p:cNvGrpSpPr/>
+        <p:nvPr/>
+      </p:nvGrpSpPr>
+      <p:grpSpPr>
+        <a:xfrm>
+          <a:off x="0" y="0"/>
+          <a:ext cx="0" cy="0"/>
+          <a:chOff x="0" y="0"/>
+          <a:chExt cx="0" cy="0"/>
+        </a:xfrm>
+      </p:grpSpPr>
+      <p:sp>
+        <p:nvSpPr>
+          <p:cNvPr id="2" name="Title 1">
+            <a:extLst>
+              <a:ext uri="{FF2B5EF4-FFF2-40B4-BE49-F238E27FC236}">
+                <a16:creationId xmlns="" xmlns:a16="http://schemas.microsoft.com/office/drawing/2014/main" id="{05BA976B-CBDA-4A5C-A81F-8D2DDA06C63F}"/>
+              </a:ext>
+            </a:extLst>
+          </p:cNvPr>
+          <p:cNvSpPr>
+            <a:spLocks noGrp="1"/>
+          </p:cNvSpPr>
+          <p:nvPr>
+            <p:ph type="title"/>
+          </p:nvPr>
+        </p:nvSpPr>
+        <p:spPr/>
+        <p:txBody>
+          <a:bodyPr/>
+          <a:lstStyle/>
+          <a:p>
+            <a:r>
+              <a:rPr lang="en-US" dirty="0" smtClean="0"/>
+              <a:t>Police Registration From</a:t>
+            </a:r>
+            <a:endParaRPr lang="en-US" dirty="0"/>
+          </a:p>
+        </p:txBody>
+      </p:sp>
+      <p:pic>
+        <p:nvPicPr>
+          <p:cNvPr id="5" name="Content Placeholder 4"/>
+          <p:cNvPicPr>
+            <a:picLocks noGrp="1" noChangeAspect="1"/>
+          </p:cNvPicPr>
+          <p:nvPr>
+            <p:ph idx="1"/>
+          </p:nvPr>
+        </p:nvPicPr>
+        <p:blipFill>
+          <a:blip r:embed="rId2">
+            <a:extLst>
+              <a:ext uri="{28A0092B-C50C-407E-A947-70E740481C1C}">
+                <a14:useLocalDpi xmlns:a14="http://schemas.microsoft.com/office/drawing/2010/main" val="0"/>
+              </a:ext>
+            </a:extLst>
+          </a:blip>
+          <a:stretch>
+            <a:fillRect/>
+          </a:stretch>
+        </p:blipFill>
+        <p:spPr>
+          <a:xfrm>
+            <a:off x="644460" y="1287888"/>
+            <a:ext cx="7758786" cy="4754138"/>
+          </a:xfrm>
+        </p:spPr>
+      </p:pic>
+    </p:spTree>
+    <p:extLst>
+      <p:ext uri="{BB962C8B-B14F-4D97-AF65-F5344CB8AC3E}">
+        <p14:creationId xmlns:p14="http://schemas.microsoft.com/office/powerpoint/2010/main" val="709102502"/>
+      </p:ext>
+    </p:extLst>
+  </p:cSld>
+  <p:clrMapOvr>
+    <a:masterClrMapping/>
+  </p:clrMapOvr>
+  <p:timing>
+    <p:tnLst>
+      <p:par>
+        <p:cTn id="1" dur="indefinite" restart="never" nodeType="tmRoot"/>
+      </p:par>
+    </p:tnLst>
+  </p:timing>
+</p:sld>
+</file>
+
+<file path=ppt/slides/slide15.xml><?xml version="1.0" encoding="utf-8"?>
+<p:sld xmlns:a="http://schemas.openxmlformats.org/drawingml/2006/main" xmlns:r="http://schemas.openxmlformats.org/officeDocument/2006/relationships" xmlns:p="http://schemas.openxmlformats.org/presentationml/2006/main">
+  <p:cSld>
+    <p:spTree>
+      <p:nvGrpSpPr>
+        <p:cNvPr id="1" name=""/>
+        <p:cNvGrpSpPr/>
+        <p:nvPr/>
+      </p:nvGrpSpPr>
+      <p:grpSpPr>
+        <a:xfrm>
+          <a:off x="0" y="0"/>
+          <a:ext cx="0" cy="0"/>
+          <a:chOff x="0" y="0"/>
+          <a:chExt cx="0" cy="0"/>
+        </a:xfrm>
+      </p:grpSpPr>
+      <p:sp>
+        <p:nvSpPr>
+          <p:cNvPr id="2" name="Title 1">
+            <a:extLst>
+              <a:ext uri="{FF2B5EF4-FFF2-40B4-BE49-F238E27FC236}">
+                <a16:creationId xmlns="" xmlns:a16="http://schemas.microsoft.com/office/drawing/2014/main" id="{05BA976B-CBDA-4A5C-A81F-8D2DDA06C63F}"/>
+              </a:ext>
+            </a:extLst>
+          </p:cNvPr>
+          <p:cNvSpPr>
+            <a:spLocks noGrp="1"/>
+          </p:cNvSpPr>
+          <p:nvPr>
+            <p:ph type="title"/>
+          </p:nvPr>
+        </p:nvSpPr>
+        <p:spPr/>
+        <p:txBody>
+          <a:bodyPr/>
+          <a:lstStyle/>
+          <a:p>
+            <a:r>
+              <a:rPr lang="en-US" dirty="0" smtClean="0"/>
+              <a:t>House Owner Registration From</a:t>
+            </a:r>
+            <a:endParaRPr lang="en-US" dirty="0"/>
+          </a:p>
+        </p:txBody>
+      </p:sp>
+      <p:pic>
+        <p:nvPicPr>
+          <p:cNvPr id="4" name="Content Placeholder 3"/>
+          <p:cNvPicPr>
+            <a:picLocks noGrp="1" noChangeAspect="1"/>
+          </p:cNvPicPr>
+          <p:nvPr>
+            <p:ph idx="1"/>
+          </p:nvPr>
+        </p:nvPicPr>
+        <p:blipFill>
+          <a:blip r:embed="rId2">
+            <a:extLst>
+              <a:ext uri="{28A0092B-C50C-407E-A947-70E740481C1C}">
+                <a14:useLocalDpi xmlns:a14="http://schemas.microsoft.com/office/drawing/2010/main" val="0"/>
+              </a:ext>
+            </a:extLst>
+          </a:blip>
+          <a:stretch>
+            <a:fillRect/>
+          </a:stretch>
+        </p:blipFill>
+        <p:spPr>
+          <a:xfrm>
+            <a:off x="940158" y="1313646"/>
+            <a:ext cx="8100811" cy="4790940"/>
+          </a:xfrm>
+        </p:spPr>
+      </p:pic>
+    </p:spTree>
+    <p:extLst>
+      <p:ext uri="{BB962C8B-B14F-4D97-AF65-F5344CB8AC3E}">
+        <p14:creationId xmlns:p14="http://schemas.microsoft.com/office/powerpoint/2010/main" val="1953387479"/>
+      </p:ext>
+    </p:extLst>
+  </p:cSld>
+  <p:clrMapOvr>
+    <a:masterClrMapping/>
+  </p:clrMapOvr>
+  <p:timing>
+    <p:tnLst>
+      <p:par>
+        <p:cTn id="1" dur="indefinite" restart="never" nodeType="tmRoot"/>
+      </p:par>
+    </p:tnLst>
+  </p:timing>
+</p:sld>
+</file>
+
+<file path=ppt/slides/slide16.xml><?xml version="1.0" encoding="utf-8"?>
+<p:sld xmlns:a="http://schemas.openxmlformats.org/drawingml/2006/main" xmlns:r="http://schemas.openxmlformats.org/officeDocument/2006/relationships" xmlns:p="http://schemas.openxmlformats.org/presentationml/2006/main">
+  <p:cSld>
+    <p:spTree>
+      <p:nvGrpSpPr>
+        <p:cNvPr id="1" name=""/>
+        <p:cNvGrpSpPr/>
+        <p:nvPr/>
+      </p:nvGrpSpPr>
+      <p:grpSpPr>
+        <a:xfrm>
+          <a:off x="0" y="0"/>
+          <a:ext cx="0" cy="0"/>
+          <a:chOff x="0" y="0"/>
+          <a:chExt cx="0" cy="0"/>
+        </a:xfrm>
+      </p:grpSpPr>
+      <p:sp>
+        <p:nvSpPr>
+          <p:cNvPr id="2" name="Title 1"/>
+          <p:cNvSpPr>
+            <a:spLocks noGrp="1"/>
+          </p:cNvSpPr>
+          <p:nvPr>
+            <p:ph type="title"/>
+          </p:nvPr>
+        </p:nvSpPr>
+        <p:spPr/>
+        <p:txBody>
+          <a:bodyPr/>
+          <a:lstStyle/>
+          <a:p>
+            <a:r>
+              <a:rPr lang="en-US" dirty="0" smtClean="0"/>
+              <a:t>Family Members </a:t>
+            </a:r>
+            <a:r>
+              <a:rPr lang="en-US" dirty="0"/>
+              <a:t>Registration From</a:t>
+            </a:r>
+          </a:p>
+        </p:txBody>
+      </p:sp>
+      <p:pic>
+        <p:nvPicPr>
+          <p:cNvPr id="5" name="Content Placeholder 4"/>
+          <p:cNvPicPr>
+            <a:picLocks noGrp="1" noChangeAspect="1"/>
+          </p:cNvPicPr>
+          <p:nvPr>
+            <p:ph idx="1"/>
+          </p:nvPr>
+        </p:nvPicPr>
+        <p:blipFill>
+          <a:blip r:embed="rId2">
+            <a:extLst>
+              <a:ext uri="{28A0092B-C50C-407E-A947-70E740481C1C}">
+                <a14:useLocalDpi xmlns:a14="http://schemas.microsoft.com/office/drawing/2010/main" val="0"/>
+              </a:ext>
+            </a:extLst>
+          </a:blip>
+          <a:stretch>
+            <a:fillRect/>
+          </a:stretch>
+        </p:blipFill>
+        <p:spPr>
+          <a:xfrm>
+            <a:off x="677863" y="1815921"/>
+            <a:ext cx="8596312" cy="3802381"/>
+          </a:xfrm>
+        </p:spPr>
+      </p:pic>
+    </p:spTree>
+    <p:extLst>
+      <p:ext uri="{BB962C8B-B14F-4D97-AF65-F5344CB8AC3E}">
+        <p14:creationId xmlns:p14="http://schemas.microsoft.com/office/powerpoint/2010/main" val="786375503"/>
+      </p:ext>
+    </p:extLst>
+  </p:cSld>
+  <p:clrMapOvr>
+    <a:masterClrMapping/>
+  </p:clrMapOvr>
+  <p:timing>
+    <p:tnLst>
+      <p:par>
+        <p:cTn id="1" dur="indefinite" restart="never" nodeType="tmRoot"/>
+      </p:par>
+    </p:tnLst>
+  </p:timing>
+</p:sld>
+</file>
+
+<file path=ppt/slides/slide17.xml><?xml version="1.0" encoding="utf-8"?>
+<p:sld xmlns:a="http://schemas.openxmlformats.org/drawingml/2006/main" xmlns:r="http://schemas.openxmlformats.org/officeDocument/2006/relationships" xmlns:p="http://schemas.openxmlformats.org/presentationml/2006/main">
+  <p:cSld>
+    <p:spTree>
+      <p:nvGrpSpPr>
+        <p:cNvPr id="1" name=""/>
+        <p:cNvGrpSpPr/>
+        <p:nvPr/>
+      </p:nvGrpSpPr>
+      <p:grpSpPr>
+        <a:xfrm>
+          <a:off x="0" y="0"/>
+          <a:ext cx="0" cy="0"/>
+          <a:chOff x="0" y="0"/>
+          <a:chExt cx="0" cy="0"/>
+        </a:xfrm>
+      </p:grpSpPr>
+      <p:sp>
+        <p:nvSpPr>
+          <p:cNvPr id="2" name="Title 1"/>
+          <p:cNvSpPr>
+            <a:spLocks noGrp="1"/>
+          </p:cNvSpPr>
+          <p:nvPr>
+            <p:ph type="title"/>
+          </p:nvPr>
+        </p:nvSpPr>
+        <p:spPr/>
+        <p:txBody>
+          <a:bodyPr/>
+          <a:lstStyle/>
+          <a:p>
+            <a:r>
+              <a:rPr lang="en-US" dirty="0" smtClean="0"/>
+              <a:t>Employees Registration </a:t>
+            </a:r>
+            <a:r>
+              <a:rPr lang="en-US" dirty="0"/>
+              <a:t>From</a:t>
+            </a:r>
+          </a:p>
+        </p:txBody>
+      </p:sp>
+      <p:pic>
+        <p:nvPicPr>
+          <p:cNvPr id="7" name="Content Placeholder 6"/>
+          <p:cNvPicPr>
+            <a:picLocks noGrp="1" noChangeAspect="1"/>
+          </p:cNvPicPr>
+          <p:nvPr>
+            <p:ph idx="1"/>
+          </p:nvPr>
+        </p:nvPicPr>
+        <p:blipFill>
+          <a:blip r:embed="rId2">
+            <a:extLst>
+              <a:ext uri="{28A0092B-C50C-407E-A947-70E740481C1C}">
+                <a14:useLocalDpi xmlns:a14="http://schemas.microsoft.com/office/drawing/2010/main" val="0"/>
+              </a:ext>
+            </a:extLst>
+          </a:blip>
+          <a:stretch>
+            <a:fillRect/>
+          </a:stretch>
+        </p:blipFill>
+        <p:spPr>
+          <a:xfrm>
+            <a:off x="677863" y="1712890"/>
+            <a:ext cx="8596312" cy="3935051"/>
+          </a:xfrm>
+        </p:spPr>
+      </p:pic>
+    </p:spTree>
+    <p:extLst>
+      <p:ext uri="{BB962C8B-B14F-4D97-AF65-F5344CB8AC3E}">
+        <p14:creationId xmlns:p14="http://schemas.microsoft.com/office/powerpoint/2010/main" val="720781848"/>
+      </p:ext>
+    </p:extLst>
+  </p:cSld>
+  <p:clrMapOvr>
+    <a:masterClrMapping/>
+  </p:clrMapOvr>
+  <p:timing>
+    <p:tnLst>
+      <p:par>
+        <p:cTn id="1" dur="indefinite" restart="never" nodeType="tmRoot"/>
+      </p:par>
+    </p:tnLst>
+  </p:timing>
+</p:sld>
+</file>
+
+<file path=ppt/slides/slide18.xml><?xml version="1.0" encoding="utf-8"?>
+<p:sld xmlns:a="http://schemas.openxmlformats.org/drawingml/2006/main" xmlns:r="http://schemas.openxmlformats.org/officeDocument/2006/relationships" xmlns:p="http://schemas.openxmlformats.org/presentationml/2006/main">
+  <p:cSld>
+    <p:spTree>
+      <p:nvGrpSpPr>
+        <p:cNvPr id="1" name=""/>
+        <p:cNvGrpSpPr/>
+        <p:nvPr/>
+      </p:nvGrpSpPr>
+      <p:grpSpPr>
+        <a:xfrm>
+          <a:off x="0" y="0"/>
+          <a:ext cx="0" cy="0"/>
+          <a:chOff x="0" y="0"/>
+          <a:chExt cx="0" cy="0"/>
+        </a:xfrm>
+      </p:grpSpPr>
+      <p:sp>
+        <p:nvSpPr>
+          <p:cNvPr id="2" name="Title 1"/>
+          <p:cNvSpPr>
+            <a:spLocks noGrp="1"/>
+          </p:cNvSpPr>
+          <p:nvPr>
+            <p:ph type="title"/>
+          </p:nvPr>
+        </p:nvSpPr>
+        <p:spPr/>
+        <p:txBody>
+          <a:bodyPr/>
+          <a:lstStyle/>
+          <a:p>
+            <a:r>
+              <a:rPr lang="en-US" dirty="0" smtClean="0"/>
+              <a:t>Building Registration From</a:t>
+            </a:r>
+            <a:endParaRPr lang="en-US" dirty="0"/>
+          </a:p>
+        </p:txBody>
+      </p:sp>
+      <p:pic>
+        <p:nvPicPr>
+          <p:cNvPr id="6" name="Content Placeholder 5"/>
+          <p:cNvPicPr>
+            <a:picLocks noGrp="1" noChangeAspect="1"/>
+          </p:cNvPicPr>
+          <p:nvPr>
+            <p:ph idx="1"/>
+          </p:nvPr>
+        </p:nvPicPr>
+        <p:blipFill>
+          <a:blip r:embed="rId2">
+            <a:extLst>
+              <a:ext uri="{28A0092B-C50C-407E-A947-70E740481C1C}">
+                <a14:useLocalDpi xmlns:a14="http://schemas.microsoft.com/office/drawing/2010/main" val="0"/>
+              </a:ext>
+            </a:extLst>
+          </a:blip>
+          <a:stretch>
+            <a:fillRect/>
+          </a:stretch>
+        </p:blipFill>
+        <p:spPr>
+          <a:xfrm>
+            <a:off x="656349" y="1416676"/>
+            <a:ext cx="8427730" cy="4625349"/>
+          </a:xfrm>
+        </p:spPr>
+      </p:pic>
+    </p:spTree>
+    <p:extLst>
+      <p:ext uri="{BB962C8B-B14F-4D97-AF65-F5344CB8AC3E}">
+        <p14:creationId xmlns:p14="http://schemas.microsoft.com/office/powerpoint/2010/main" val="2227859304"/>
+      </p:ext>
+    </p:extLst>
+  </p:cSld>
+  <p:clrMapOvr>
+    <a:masterClrMapping/>
+  </p:clrMapOvr>
+  <p:timing>
+    <p:tnLst>
+      <p:par>
+        <p:cTn id="1" dur="indefinite" restart="never" nodeType="tmRoot"/>
+      </p:par>
+    </p:tnLst>
+  </p:timing>
+</p:sld>
+</file>
+
+<file path=ppt/slides/slide19.xml><?xml version="1.0" encoding="utf-8"?>
+<p:sld xmlns:a="http://schemas.openxmlformats.org/drawingml/2006/main" xmlns:r="http://schemas.openxmlformats.org/officeDocument/2006/relationships" xmlns:p="http://schemas.openxmlformats.org/presentationml/2006/main">
+  <p:cSld>
+    <p:spTree>
+      <p:nvGrpSpPr>
+        <p:cNvPr id="1" name=""/>
+        <p:cNvGrpSpPr/>
+        <p:nvPr/>
+      </p:nvGrpSpPr>
+      <p:grpSpPr>
+        <a:xfrm>
+          <a:off x="0" y="0"/>
+          <a:ext cx="0" cy="0"/>
+          <a:chOff x="0" y="0"/>
+          <a:chExt cx="0" cy="0"/>
+        </a:xfrm>
+      </p:grpSpPr>
+      <p:sp>
+        <p:nvSpPr>
+          <p:cNvPr id="2" name="Title 1"/>
+          <p:cNvSpPr>
+            <a:spLocks noGrp="1"/>
+          </p:cNvSpPr>
+          <p:nvPr>
+            <p:ph type="title"/>
+          </p:nvPr>
+        </p:nvSpPr>
+        <p:spPr/>
+        <p:txBody>
+          <a:bodyPr/>
+          <a:lstStyle/>
+          <a:p>
+            <a:r>
+              <a:rPr lang="en-US" dirty="0" smtClean="0"/>
+              <a:t>Flat </a:t>
+            </a:r>
+            <a:r>
+              <a:rPr lang="en-US" dirty="0"/>
+              <a:t>Registration From</a:t>
+            </a:r>
+          </a:p>
+        </p:txBody>
+      </p:sp>
+      <p:pic>
+        <p:nvPicPr>
+          <p:cNvPr id="4" name="Content Placeholder 3"/>
+          <p:cNvPicPr>
+            <a:picLocks noGrp="1" noChangeAspect="1"/>
+          </p:cNvPicPr>
+          <p:nvPr>
+            <p:ph idx="1"/>
+          </p:nvPr>
+        </p:nvPicPr>
+        <p:blipFill>
+          <a:blip r:embed="rId2">
+            <a:extLst>
+              <a:ext uri="{28A0092B-C50C-407E-A947-70E740481C1C}">
+                <a14:useLocalDpi xmlns:a14="http://schemas.microsoft.com/office/drawing/2010/main" val="0"/>
+              </a:ext>
+            </a:extLst>
+          </a:blip>
+          <a:stretch>
+            <a:fillRect/>
+          </a:stretch>
+        </p:blipFill>
+        <p:spPr>
+          <a:xfrm>
+            <a:off x="677863" y="1815921"/>
+            <a:ext cx="8596312" cy="4159876"/>
+          </a:xfrm>
+        </p:spPr>
+      </p:pic>
+    </p:spTree>
+    <p:extLst>
+      <p:ext uri="{BB962C8B-B14F-4D97-AF65-F5344CB8AC3E}">
+        <p14:creationId xmlns:p14="http://schemas.microsoft.com/office/powerpoint/2010/main" val="409268503"/>
+      </p:ext>
+    </p:extLst>
+  </p:cSld>
+  <p:clrMapOvr>
+    <a:masterClrMapping/>
+  </p:clrMapOvr>
+  <p:timing>
+    <p:tnLst>
+      <p:par>
+        <p:cTn id="1" dur="indefinite" restart="never" nodeType="tmRoot"/>
+      </p:par>
+    </p:tnLst>
+  </p:timing>
+</p:sld>
+</file>
+
+<file path=ppt/slides/slide2.xml><?xml version="1.0" encoding="utf-8"?>
+<p:sld xmlns:a="http://schemas.openxmlformats.org/drawingml/2006/main" xmlns:r="http://schemas.openxmlformats.org/officeDocument/2006/relationships" xmlns:p="http://schemas.openxmlformats.org/presentationml/2006/main">
+  <p:cSld>
+    <p:spTree>
+      <p:nvGrpSpPr>
+        <p:cNvPr id="1" name=""/>
+        <p:cNvGrpSpPr/>
+        <p:nvPr/>
+      </p:nvGrpSpPr>
+      <p:grpSpPr>
+        <a:xfrm>
+          <a:off x="0" y="0"/>
+          <a:ext cx="0" cy="0"/>
+          <a:chOff x="0" y="0"/>
+          <a:chExt cx="0" cy="0"/>
+        </a:xfrm>
+      </p:grpSpPr>
+      <p:sp>
+        <p:nvSpPr>
+          <p:cNvPr id="2" name="Title 1">
+            <a:extLst>
+              <a:ext uri="{FF2B5EF4-FFF2-40B4-BE49-F238E27FC236}">
+                <a16:creationId xmlns="" xmlns:a16="http://schemas.microsoft.com/office/drawing/2014/main" id="{FB06C16F-A381-467B-ABD3-0394D86C986F}"/>
+              </a:ext>
+            </a:extLst>
+          </p:cNvPr>
+          <p:cNvSpPr>
+            <a:spLocks noGrp="1"/>
+          </p:cNvSpPr>
+          <p:nvPr>
+            <p:ph type="title"/>
+          </p:nvPr>
+        </p:nvSpPr>
+        <p:spPr>
+          <a:xfrm>
+            <a:off x="677335" y="501008"/>
+            <a:ext cx="8596668" cy="638680"/>
+          </a:xfrm>
+        </p:spPr>
+        <p:txBody>
+          <a:bodyPr>
+            <a:normAutofit fontScale="90000"/>
+          </a:bodyPr>
+          <a:lstStyle/>
+          <a:p>
+            <a:r>
+              <a:rPr lang="en-US" dirty="0"/>
+              <a:t>Requirements</a:t>
+            </a:r>
+          </a:p>
+        </p:txBody>
+      </p:sp>
+      <p:sp>
+        <p:nvSpPr>
+          <p:cNvPr id="3" name="Text Placeholder 2">
+            <a:extLst>
+              <a:ext uri="{FF2B5EF4-FFF2-40B4-BE49-F238E27FC236}">
+                <a16:creationId xmlns="" xmlns:a16="http://schemas.microsoft.com/office/drawing/2014/main" id="{9FCDDA1B-63DD-44F9-B204-645D6F4A81F4}"/>
+              </a:ext>
+            </a:extLst>
+          </p:cNvPr>
+          <p:cNvSpPr>
+            <a:spLocks noGrp="1"/>
+          </p:cNvSpPr>
+          <p:nvPr>
+            <p:ph type="body" idx="1"/>
+          </p:nvPr>
+        </p:nvSpPr>
+        <p:spPr>
+          <a:xfrm>
+            <a:off x="677335" y="1338469"/>
+            <a:ext cx="8596668" cy="4161785"/>
+          </a:xfrm>
+        </p:spPr>
+        <p:txBody>
+          <a:bodyPr>
+            <a:normAutofit/>
+          </a:bodyPr>
+          <a:lstStyle/>
+          <a:p>
+            <a:pPr algn="just"/>
+            <a:r>
+              <a:rPr lang="en-US" b="1" dirty="0" smtClean="0"/>
+              <a:t>To Collect information to the residence Government want to launch web application for this purpose we think to build a web application to collect the residence (House Owner, Tenant) information. It is very easy to use any one can first registration as a user and he/she select his/her type and then login the web application and give his/her all required information. Police can see the list of the residence. </a:t>
+            </a:r>
+            <a:endParaRPr lang="en-US" dirty="0"/>
+          </a:p>
+        </p:txBody>
+      </p:sp>
+    </p:spTree>
+    <p:extLst>
+      <p:ext uri="{BB962C8B-B14F-4D97-AF65-F5344CB8AC3E}">
+        <p14:creationId xmlns:p14="http://schemas.microsoft.com/office/powerpoint/2010/main" val="1715368567"/>
+      </p:ext>
+    </p:extLst>
+  </p:cSld>
+  <p:clrMapOvr>
+    <a:masterClrMapping/>
+  </p:clrMapOvr>
+  <p:timing>
+    <p:tnLst>
+      <p:par>
+        <p:cTn id="1" dur="indefinite" restart="never" nodeType="tmRoot"/>
+      </p:par>
+    </p:tnLst>
+  </p:timing>
+</p:sld>
+</file>
+
+<file path=ppt/slides/slide20.xml><?xml version="1.0" encoding="utf-8"?>
+<p:sld xmlns:a="http://schemas.openxmlformats.org/drawingml/2006/main" xmlns:r="http://schemas.openxmlformats.org/officeDocument/2006/relationships" xmlns:p="http://schemas.openxmlformats.org/presentationml/2006/main">
+  <p:cSld>
+    <p:spTree>
+      <p:nvGrpSpPr>
+        <p:cNvPr id="1" name=""/>
+        <p:cNvGrpSpPr/>
+        <p:nvPr/>
+      </p:nvGrpSpPr>
+      <p:grpSpPr>
+        <a:xfrm>
+          <a:off x="0" y="0"/>
+          <a:ext cx="0" cy="0"/>
+          <a:chOff x="0" y="0"/>
+          <a:chExt cx="0" cy="0"/>
+        </a:xfrm>
+      </p:grpSpPr>
+      <p:sp>
+        <p:nvSpPr>
+          <p:cNvPr id="2" name="Title 1"/>
+          <p:cNvSpPr>
+            <a:spLocks noGrp="1"/>
+          </p:cNvSpPr>
+          <p:nvPr>
+            <p:ph type="title"/>
+          </p:nvPr>
+        </p:nvSpPr>
+        <p:spPr/>
+        <p:txBody>
+          <a:bodyPr/>
+          <a:lstStyle/>
+          <a:p>
+            <a:r>
+              <a:rPr lang="en-US" dirty="0" smtClean="0"/>
+              <a:t>Flat List</a:t>
+            </a:r>
+            <a:endParaRPr lang="en-US" dirty="0"/>
+          </a:p>
+        </p:txBody>
+      </p:sp>
+      <p:pic>
+        <p:nvPicPr>
+          <p:cNvPr id="15" name="Content Placeholder 14"/>
+          <p:cNvPicPr>
+            <a:picLocks noGrp="1" noChangeAspect="1"/>
+          </p:cNvPicPr>
+          <p:nvPr>
+            <p:ph idx="1"/>
+          </p:nvPr>
+        </p:nvPicPr>
+        <p:blipFill>
+          <a:blip r:embed="rId2">
+            <a:extLst>
+              <a:ext uri="{28A0092B-C50C-407E-A947-70E740481C1C}">
+                <a14:useLocalDpi xmlns:a14="http://schemas.microsoft.com/office/drawing/2010/main" val="0"/>
+              </a:ext>
+            </a:extLst>
+          </a:blip>
+          <a:stretch>
+            <a:fillRect/>
+          </a:stretch>
+        </p:blipFill>
+        <p:spPr>
+          <a:xfrm>
+            <a:off x="962877" y="1867438"/>
+            <a:ext cx="8026284" cy="4174588"/>
+          </a:xfrm>
+        </p:spPr>
+      </p:pic>
+    </p:spTree>
+    <p:extLst>
+      <p:ext uri="{BB962C8B-B14F-4D97-AF65-F5344CB8AC3E}">
+        <p14:creationId xmlns:p14="http://schemas.microsoft.com/office/powerpoint/2010/main" val="2435486592"/>
+      </p:ext>
+    </p:extLst>
+  </p:cSld>
+  <p:clrMapOvr>
+    <a:masterClrMapping/>
+  </p:clrMapOvr>
+  <p:timing>
+    <p:tnLst>
+      <p:par>
+        <p:cTn id="1" dur="indefinite" restart="never" nodeType="tmRoot"/>
+      </p:par>
+    </p:tnLst>
+  </p:timing>
+</p:sld>
+</file>
+
+<file path=ppt/slides/slide21.xml><?xml version="1.0" encoding="utf-8"?>
+<p:sld xmlns:a="http://schemas.openxmlformats.org/drawingml/2006/main" xmlns:r="http://schemas.openxmlformats.org/officeDocument/2006/relationships" xmlns:p="http://schemas.openxmlformats.org/presentationml/2006/main">
+  <p:cSld>
+    <p:spTree>
+      <p:nvGrpSpPr>
+        <p:cNvPr id="1" name=""/>
+        <p:cNvGrpSpPr/>
+        <p:nvPr/>
+      </p:nvGrpSpPr>
+      <p:grpSpPr>
+        <a:xfrm>
+          <a:off x="0" y="0"/>
+          <a:ext cx="0" cy="0"/>
+          <a:chOff x="0" y="0"/>
+          <a:chExt cx="0" cy="0"/>
+        </a:xfrm>
+      </p:grpSpPr>
+      <p:sp>
+        <p:nvSpPr>
+          <p:cNvPr id="2" name="Title 1">
+            <a:extLst>
+              <a:ext uri="{FF2B5EF4-FFF2-40B4-BE49-F238E27FC236}">
+                <a16:creationId xmlns="" xmlns:a16="http://schemas.microsoft.com/office/drawing/2014/main" id="{05BA976B-CBDA-4A5C-A81F-8D2DDA06C63F}"/>
+              </a:ext>
+            </a:extLst>
+          </p:cNvPr>
+          <p:cNvSpPr>
+            <a:spLocks noGrp="1"/>
+          </p:cNvSpPr>
+          <p:nvPr>
+            <p:ph type="title"/>
+          </p:nvPr>
+        </p:nvSpPr>
+        <p:spPr/>
+        <p:txBody>
+          <a:bodyPr/>
+          <a:lstStyle/>
+          <a:p>
+            <a:r>
+              <a:rPr lang="en-US" dirty="0" smtClean="0"/>
+              <a:t>Tenant Registration From</a:t>
+            </a:r>
+            <a:endParaRPr lang="en-US" dirty="0"/>
+          </a:p>
+        </p:txBody>
+      </p:sp>
+      <p:pic>
+        <p:nvPicPr>
+          <p:cNvPr id="5" name="Content Placeholder 4"/>
+          <p:cNvPicPr>
+            <a:picLocks noGrp="1" noChangeAspect="1"/>
+          </p:cNvPicPr>
+          <p:nvPr>
+            <p:ph idx="1"/>
+          </p:nvPr>
+        </p:nvPicPr>
+        <p:blipFill>
+          <a:blip r:embed="rId2">
+            <a:extLst>
+              <a:ext uri="{28A0092B-C50C-407E-A947-70E740481C1C}">
+                <a14:useLocalDpi xmlns:a14="http://schemas.microsoft.com/office/drawing/2010/main" val="0"/>
+              </a:ext>
+            </a:extLst>
+          </a:blip>
+          <a:stretch>
+            <a:fillRect/>
+          </a:stretch>
+        </p:blipFill>
+        <p:spPr>
+          <a:xfrm>
+            <a:off x="823606" y="1609859"/>
+            <a:ext cx="7946907" cy="4533363"/>
+          </a:xfrm>
+        </p:spPr>
+      </p:pic>
+    </p:spTree>
+    <p:extLst>
+      <p:ext uri="{BB962C8B-B14F-4D97-AF65-F5344CB8AC3E}">
+        <p14:creationId xmlns:p14="http://schemas.microsoft.com/office/powerpoint/2010/main" val="1459963895"/>
+      </p:ext>
+    </p:extLst>
+  </p:cSld>
+  <p:clrMapOvr>
+    <a:masterClrMapping/>
+  </p:clrMapOvr>
+  <p:timing>
+    <p:tnLst>
+      <p:par>
+        <p:cTn id="1" dur="indefinite" restart="never" nodeType="tmRoot"/>
+      </p:par>
+    </p:tnLst>
+  </p:timing>
+</p:sld>
+</file>
+
+<file path=ppt/slides/slide22.xml><?xml version="1.0" encoding="utf-8"?>
+<p:sld xmlns:a="http://schemas.openxmlformats.org/drawingml/2006/main" xmlns:r="http://schemas.openxmlformats.org/officeDocument/2006/relationships" xmlns:p="http://schemas.openxmlformats.org/presentationml/2006/main">
+  <p:cSld>
+    <p:spTree>
+      <p:nvGrpSpPr>
+        <p:cNvPr id="1" name=""/>
+        <p:cNvGrpSpPr/>
+        <p:nvPr/>
+      </p:nvGrpSpPr>
+      <p:grpSpPr>
+        <a:xfrm>
+          <a:off x="0" y="0"/>
+          <a:ext cx="0" cy="0"/>
+          <a:chOff x="0" y="0"/>
+          <a:chExt cx="0" cy="0"/>
+        </a:xfrm>
+      </p:grpSpPr>
+      <p:sp>
+        <p:nvSpPr>
+          <p:cNvPr id="2" name="Title 1"/>
+          <p:cNvSpPr>
+            <a:spLocks noGrp="1"/>
+          </p:cNvSpPr>
+          <p:nvPr>
+            <p:ph type="title"/>
+          </p:nvPr>
+        </p:nvSpPr>
+        <p:spPr/>
+        <p:txBody>
+          <a:bodyPr/>
+          <a:lstStyle/>
+          <a:p>
+            <a:r>
+              <a:rPr lang="en-US" dirty="0" smtClean="0"/>
+              <a:t>Family Members </a:t>
+            </a:r>
+            <a:r>
+              <a:rPr lang="en-US" dirty="0"/>
+              <a:t>Registration From</a:t>
+            </a:r>
+          </a:p>
+        </p:txBody>
+      </p:sp>
+      <p:pic>
+        <p:nvPicPr>
+          <p:cNvPr id="5" name="Content Placeholder 4"/>
+          <p:cNvPicPr>
+            <a:picLocks noGrp="1" noChangeAspect="1"/>
+          </p:cNvPicPr>
+          <p:nvPr>
+            <p:ph idx="1"/>
+          </p:nvPr>
+        </p:nvPicPr>
+        <p:blipFill>
+          <a:blip r:embed="rId2">
+            <a:extLst>
+              <a:ext uri="{28A0092B-C50C-407E-A947-70E740481C1C}">
+                <a14:useLocalDpi xmlns:a14="http://schemas.microsoft.com/office/drawing/2010/main" val="0"/>
+              </a:ext>
+            </a:extLst>
+          </a:blip>
+          <a:stretch>
+            <a:fillRect/>
+          </a:stretch>
+        </p:blipFill>
+        <p:spPr>
+          <a:xfrm>
+            <a:off x="677863" y="1815921"/>
+            <a:ext cx="8596312" cy="3802381"/>
+          </a:xfrm>
+        </p:spPr>
+      </p:pic>
+    </p:spTree>
+    <p:extLst>
+      <p:ext uri="{BB962C8B-B14F-4D97-AF65-F5344CB8AC3E}">
+        <p14:creationId xmlns:p14="http://schemas.microsoft.com/office/powerpoint/2010/main" val="3330673097"/>
+      </p:ext>
+    </p:extLst>
+  </p:cSld>
+  <p:clrMapOvr>
+    <a:masterClrMapping/>
+  </p:clrMapOvr>
+  <p:timing>
+    <p:tnLst>
+      <p:par>
+        <p:cTn id="1" dur="indefinite" restart="never" nodeType="tmRoot"/>
+      </p:par>
+    </p:tnLst>
+  </p:timing>
+</p:sld>
+</file>
+
+<file path=ppt/slides/slide23.xml><?xml version="1.0" encoding="utf-8"?>
+<p:sld xmlns:a="http://schemas.openxmlformats.org/drawingml/2006/main" xmlns:r="http://schemas.openxmlformats.org/officeDocument/2006/relationships" xmlns:p="http://schemas.openxmlformats.org/presentationml/2006/main">
+  <p:cSld>
+    <p:spTree>
+      <p:nvGrpSpPr>
+        <p:cNvPr id="1" name=""/>
+        <p:cNvGrpSpPr/>
+        <p:nvPr/>
+      </p:nvGrpSpPr>
+      <p:grpSpPr>
+        <a:xfrm>
+          <a:off x="0" y="0"/>
+          <a:ext cx="0" cy="0"/>
+          <a:chOff x="0" y="0"/>
+          <a:chExt cx="0" cy="0"/>
+        </a:xfrm>
+      </p:grpSpPr>
+      <p:sp>
+        <p:nvSpPr>
+          <p:cNvPr id="2" name="Title 1"/>
+          <p:cNvSpPr>
+            <a:spLocks noGrp="1"/>
+          </p:cNvSpPr>
+          <p:nvPr>
+            <p:ph type="title"/>
+          </p:nvPr>
+        </p:nvSpPr>
+        <p:spPr/>
+        <p:txBody>
+          <a:bodyPr/>
+          <a:lstStyle/>
+          <a:p>
+            <a:r>
+              <a:rPr lang="en-US" dirty="0" smtClean="0"/>
+              <a:t>Employees Registration </a:t>
+            </a:r>
+            <a:r>
+              <a:rPr lang="en-US" dirty="0"/>
+              <a:t>From</a:t>
+            </a:r>
+          </a:p>
+        </p:txBody>
+      </p:sp>
+      <p:pic>
+        <p:nvPicPr>
+          <p:cNvPr id="7" name="Content Placeholder 6"/>
+          <p:cNvPicPr>
+            <a:picLocks noGrp="1" noChangeAspect="1"/>
+          </p:cNvPicPr>
+          <p:nvPr>
+            <p:ph idx="1"/>
+          </p:nvPr>
+        </p:nvPicPr>
+        <p:blipFill>
+          <a:blip r:embed="rId2">
+            <a:extLst>
+              <a:ext uri="{28A0092B-C50C-407E-A947-70E740481C1C}">
+                <a14:useLocalDpi xmlns:a14="http://schemas.microsoft.com/office/drawing/2010/main" val="0"/>
+              </a:ext>
+            </a:extLst>
+          </a:blip>
+          <a:stretch>
+            <a:fillRect/>
+          </a:stretch>
+        </p:blipFill>
+        <p:spPr>
+          <a:xfrm>
+            <a:off x="677863" y="1712890"/>
+            <a:ext cx="8596312" cy="3935051"/>
+          </a:xfrm>
+        </p:spPr>
+      </p:pic>
+    </p:spTree>
+    <p:extLst>
+      <p:ext uri="{BB962C8B-B14F-4D97-AF65-F5344CB8AC3E}">
+        <p14:creationId xmlns:p14="http://schemas.microsoft.com/office/powerpoint/2010/main" val="3355129286"/>
+      </p:ext>
+    </p:extLst>
+  </p:cSld>
+  <p:clrMapOvr>
+    <a:masterClrMapping/>
+  </p:clrMapOvr>
+  <p:timing>
+    <p:tnLst>
+      <p:par>
+        <p:cTn id="1" dur="indefinite" restart="never" nodeType="tmRoot"/>
+      </p:par>
+    </p:tnLst>
+  </p:timing>
+</p:sld>
+</file>
+
+<file path=ppt/slides/slide24.xml><?xml version="1.0" encoding="utf-8"?>
+<p:sld xmlns:a="http://schemas.openxmlformats.org/drawingml/2006/main" xmlns:r="http://schemas.openxmlformats.org/officeDocument/2006/relationships" xmlns:p="http://schemas.openxmlformats.org/presentationml/2006/main">
+  <p:cSld>
+    <p:spTree>
+      <p:nvGrpSpPr>
+        <p:cNvPr id="1" name=""/>
+        <p:cNvGrpSpPr/>
+        <p:nvPr/>
+      </p:nvGrpSpPr>
+      <p:grpSpPr>
+        <a:xfrm>
+          <a:off x="0" y="0"/>
+          <a:ext cx="0" cy="0"/>
+          <a:chOff x="0" y="0"/>
+          <a:chExt cx="0" cy="0"/>
+        </a:xfrm>
+      </p:grpSpPr>
+      <p:sp>
+        <p:nvSpPr>
+          <p:cNvPr id="2" name="Title 1"/>
+          <p:cNvSpPr>
+            <a:spLocks noGrp="1"/>
+          </p:cNvSpPr>
+          <p:nvPr>
+            <p:ph type="title"/>
+          </p:nvPr>
+        </p:nvSpPr>
+        <p:spPr/>
+        <p:txBody>
+          <a:bodyPr/>
+          <a:lstStyle/>
+          <a:p>
+            <a:r>
+              <a:rPr lang="en-US" dirty="0" smtClean="0"/>
+              <a:t>Rent From</a:t>
+            </a:r>
+            <a:endParaRPr lang="en-US" dirty="0"/>
+          </a:p>
+        </p:txBody>
+      </p:sp>
+      <p:pic>
+        <p:nvPicPr>
+          <p:cNvPr id="4" name="Content Placeholder 3"/>
+          <p:cNvPicPr>
+            <a:picLocks noGrp="1" noChangeAspect="1"/>
+          </p:cNvPicPr>
+          <p:nvPr>
+            <p:ph idx="1"/>
+          </p:nvPr>
+        </p:nvPicPr>
+        <p:blipFill>
+          <a:blip r:embed="rId2">
+            <a:extLst>
+              <a:ext uri="{28A0092B-C50C-407E-A947-70E740481C1C}">
+                <a14:useLocalDpi xmlns:a14="http://schemas.microsoft.com/office/drawing/2010/main" val="0"/>
+              </a:ext>
+            </a:extLst>
+          </a:blip>
+          <a:stretch>
+            <a:fillRect/>
+          </a:stretch>
+        </p:blipFill>
+        <p:spPr>
+          <a:xfrm>
+            <a:off x="793308" y="1596980"/>
+            <a:ext cx="7700658" cy="4610637"/>
+          </a:xfrm>
+        </p:spPr>
+      </p:pic>
+    </p:spTree>
+    <p:extLst>
+      <p:ext uri="{BB962C8B-B14F-4D97-AF65-F5344CB8AC3E}">
+        <p14:creationId xmlns:p14="http://schemas.microsoft.com/office/powerpoint/2010/main" val="750113753"/>
+      </p:ext>
+    </p:extLst>
+  </p:cSld>
+  <p:clrMapOvr>
+    <a:masterClrMapping/>
+  </p:clrMapOvr>
+  <p:timing>
+    <p:tnLst>
+      <p:par>
+        <p:cTn id="1" dur="indefinite" restart="never" nodeType="tmRoot"/>
+      </p:par>
+    </p:tnLst>
+  </p:timing>
+</p:sld>
+</file>
+
+<file path=ppt/slides/slide25.xml><?xml version="1.0" encoding="utf-8"?>
+<p:sld xmlns:a="http://schemas.openxmlformats.org/drawingml/2006/main" xmlns:r="http://schemas.openxmlformats.org/officeDocument/2006/relationships" xmlns:p="http://schemas.openxmlformats.org/presentationml/2006/main">
+  <p:cSld>
+    <p:spTree>
+      <p:nvGrpSpPr>
+        <p:cNvPr id="1" name=""/>
+        <p:cNvGrpSpPr/>
+        <p:nvPr/>
+      </p:nvGrpSpPr>
+      <p:grpSpPr>
+        <a:xfrm>
+          <a:off x="0" y="0"/>
+          <a:ext cx="0" cy="0"/>
+          <a:chOff x="0" y="0"/>
+          <a:chExt cx="0" cy="0"/>
+        </a:xfrm>
+      </p:grpSpPr>
+      <p:sp>
+        <p:nvSpPr>
+          <p:cNvPr id="2" name="Title 1">
+            <a:extLst>
+              <a:ext uri="{FF2B5EF4-FFF2-40B4-BE49-F238E27FC236}">
+                <a16:creationId xmlns="" xmlns:a16="http://schemas.microsoft.com/office/drawing/2014/main" id="{BA406798-6FD2-4804-9AF7-5118C46189D3}"/>
+              </a:ext>
+            </a:extLst>
+          </p:cNvPr>
+          <p:cNvSpPr>
+            <a:spLocks noGrp="1"/>
+          </p:cNvSpPr>
+          <p:nvPr>
+            <p:ph type="title"/>
+          </p:nvPr>
+        </p:nvSpPr>
+        <p:spPr/>
+        <p:txBody>
+          <a:bodyPr/>
+          <a:lstStyle/>
+          <a:p>
+            <a:r>
+              <a:rPr lang="en-US" dirty="0" smtClean="0"/>
+              <a:t>Home Page</a:t>
+            </a:r>
+            <a:endParaRPr lang="en-US" dirty="0"/>
+          </a:p>
+        </p:txBody>
+      </p:sp>
+      <p:pic>
+        <p:nvPicPr>
+          <p:cNvPr id="5" name="Content Placeholder 4"/>
+          <p:cNvPicPr>
+            <a:picLocks noGrp="1" noChangeAspect="1"/>
+          </p:cNvPicPr>
+          <p:nvPr>
+            <p:ph idx="1"/>
+          </p:nvPr>
+        </p:nvPicPr>
+        <p:blipFill>
+          <a:blip r:embed="rId2">
+            <a:extLst>
+              <a:ext uri="{28A0092B-C50C-407E-A947-70E740481C1C}">
+                <a14:useLocalDpi xmlns:a14="http://schemas.microsoft.com/office/drawing/2010/main" val="0"/>
+              </a:ext>
+            </a:extLst>
+          </a:blip>
+          <a:stretch>
+            <a:fillRect/>
+          </a:stretch>
+        </p:blipFill>
+        <p:spPr>
+          <a:xfrm>
+            <a:off x="567626" y="1378039"/>
+            <a:ext cx="8875509" cy="4728381"/>
+          </a:xfrm>
+        </p:spPr>
+      </p:pic>
+    </p:spTree>
+    <p:extLst>
+      <p:ext uri="{BB962C8B-B14F-4D97-AF65-F5344CB8AC3E}">
+        <p14:creationId xmlns:p14="http://schemas.microsoft.com/office/powerpoint/2010/main" val="3135475899"/>
+      </p:ext>
+    </p:extLst>
+  </p:cSld>
+  <p:clrMapOvr>
+    <a:masterClrMapping/>
+  </p:clrMapOvr>
+  <p:timing>
+    <p:tnLst>
+      <p:par>
+        <p:cTn id="1" dur="indefinite" restart="never" nodeType="tmRoot"/>
+      </p:par>
+    </p:tnLst>
+  </p:timing>
+</p:sld>
+</file>
+
+<file path=ppt/slides/slide26.xml><?xml version="1.0" encoding="utf-8"?>
+<p:sld xmlns:a="http://schemas.openxmlformats.org/drawingml/2006/main" xmlns:r="http://schemas.openxmlformats.org/officeDocument/2006/relationships" xmlns:p="http://schemas.openxmlformats.org/presentationml/2006/main">
+  <p:cSld>
+    <p:spTree>
+      <p:nvGrpSpPr>
+        <p:cNvPr id="1" name=""/>
+        <p:cNvGrpSpPr/>
+        <p:nvPr/>
+      </p:nvGrpSpPr>
+      <p:grpSpPr>
+        <a:xfrm>
+          <a:off x="0" y="0"/>
+          <a:ext cx="0" cy="0"/>
+          <a:chOff x="0" y="0"/>
+          <a:chExt cx="0" cy="0"/>
+        </a:xfrm>
+      </p:grpSpPr>
+      <p:sp>
+        <p:nvSpPr>
+          <p:cNvPr id="2" name="Title 1">
+            <a:extLst>
+              <a:ext uri="{FF2B5EF4-FFF2-40B4-BE49-F238E27FC236}">
+                <a16:creationId xmlns="" xmlns:a16="http://schemas.microsoft.com/office/drawing/2014/main" id="{46B39C78-7FDD-499E-9E38-FA2FC174917A}"/>
               </a:ext>
             </a:extLst>
           </p:cNvPr>
@@ -6283,7 +7705,7 @@
 </p:sld>
 </file>
 
-<file path=ppt/slides/slide13.xml><?xml version="1.0" encoding="utf-8"?>
+<file path=ppt/slides/slide27.xml><?xml version="1.0" encoding="utf-8"?>
 <p:sld xmlns:a="http://schemas.openxmlformats.org/drawingml/2006/main" xmlns:r="http://schemas.openxmlformats.org/officeDocument/2006/relationships" xmlns:p="http://schemas.openxmlformats.org/presentationml/2006/main">
   <p:cSld>
     <p:spTree>
@@ -6305,7 +7727,7 @@
           <p:cNvPr id="2" name="Title 1">
             <a:extLst>
               <a:ext uri="{FF2B5EF4-FFF2-40B4-BE49-F238E27FC236}">
-                <a16:creationId xmlns:a16="http://schemas.microsoft.com/office/drawing/2014/main" id="{3B48F607-75B0-47E8-A3A4-94899085AC22}"/>
+                <a16:creationId xmlns="" xmlns:a16="http://schemas.microsoft.com/office/drawing/2014/main" id="{3B48F607-75B0-47E8-A3A4-94899085AC22}"/>
               </a:ext>
             </a:extLst>
           </p:cNvPr>
@@ -6378,7 +7800,7 @@
 </p:sld>
 </file>
 
-<file path=ppt/slides/slide14.xml><?xml version="1.0" encoding="utf-8"?>
+<file path=ppt/slides/slide28.xml><?xml version="1.0" encoding="utf-8"?>
 <p:sld xmlns:a="http://schemas.openxmlformats.org/drawingml/2006/main" xmlns:r="http://schemas.openxmlformats.org/officeDocument/2006/relationships" xmlns:p="http://schemas.openxmlformats.org/presentationml/2006/main">
   <p:cSld>
     <p:spTree>
@@ -6400,7 +7822,7 @@
           <p:cNvPr id="2" name="Title 1">
             <a:extLst>
               <a:ext uri="{FF2B5EF4-FFF2-40B4-BE49-F238E27FC236}">
-                <a16:creationId xmlns:a16="http://schemas.microsoft.com/office/drawing/2014/main" id="{AD424AB8-B32E-4787-8D06-54F4A8DE1008}"/>
+                <a16:creationId xmlns="" xmlns:a16="http://schemas.microsoft.com/office/drawing/2014/main" id="{8845DF85-0F29-49DB-957C-07F92074ADD2}"/>
               </a:ext>
             </a:extLst>
           </p:cNvPr>
@@ -6418,11 +7840,7 @@
           <a:p>
             <a:r>
               <a:rPr lang="en-US" dirty="0" smtClean="0"/>
-              <a:t>Create User </a:t>
-            </a:r>
-            <a:r>
-              <a:rPr lang="en-US" dirty="0" err="1" smtClean="0"/>
-              <a:t>Sing_Up</a:t>
+              <a:t>User List</a:t>
             </a:r>
             <a:endParaRPr lang="en-US" dirty="0"/>
           </a:p>
@@ -6452,103 +7870,8 @@
         </p:blipFill>
         <p:spPr>
           <a:xfrm>
-            <a:off x="3618167" y="2160588"/>
-            <a:ext cx="3156706" cy="4511744"/>
-          </a:xfrm>
-        </p:spPr>
-      </p:pic>
-    </p:spTree>
-    <p:extLst>
-      <p:ext uri="{BB962C8B-B14F-4D97-AF65-F5344CB8AC3E}">
-        <p14:creationId xmlns:p14="http://schemas.microsoft.com/office/powerpoint/2010/main" val="2730147590"/>
-      </p:ext>
-    </p:extLst>
-  </p:cSld>
-  <p:clrMapOvr>
-    <a:masterClrMapping/>
-  </p:clrMapOvr>
-  <p:timing>
-    <p:tnLst>
-      <p:par>
-        <p:cTn id="1" dur="indefinite" restart="never" nodeType="tmRoot"/>
-      </p:par>
-    </p:tnLst>
-  </p:timing>
-</p:sld>
-</file>
-
-<file path=ppt/slides/slide15.xml><?xml version="1.0" encoding="utf-8"?>
-<p:sld xmlns:a="http://schemas.openxmlformats.org/drawingml/2006/main" xmlns:r="http://schemas.openxmlformats.org/officeDocument/2006/relationships" xmlns:p="http://schemas.openxmlformats.org/presentationml/2006/main">
-  <p:cSld>
-    <p:spTree>
-      <p:nvGrpSpPr>
-        <p:cNvPr id="1" name=""/>
-        <p:cNvGrpSpPr/>
-        <p:nvPr/>
-      </p:nvGrpSpPr>
-      <p:grpSpPr>
-        <a:xfrm>
-          <a:off x="0" y="0"/>
-          <a:ext cx="0" cy="0"/>
-          <a:chOff x="0" y="0"/>
-          <a:chExt cx="0" cy="0"/>
-        </a:xfrm>
-      </p:grpSpPr>
-      <p:sp>
-        <p:nvSpPr>
-          <p:cNvPr id="2" name="Title 1">
-            <a:extLst>
-              <a:ext uri="{FF2B5EF4-FFF2-40B4-BE49-F238E27FC236}">
-                <a16:creationId xmlns:a16="http://schemas.microsoft.com/office/drawing/2014/main" id="{8845DF85-0F29-49DB-957C-07F92074ADD2}"/>
-              </a:ext>
-            </a:extLst>
-          </p:cNvPr>
-          <p:cNvSpPr>
-            <a:spLocks noGrp="1"/>
-          </p:cNvSpPr>
-          <p:nvPr>
-            <p:ph type="title"/>
-          </p:nvPr>
-        </p:nvSpPr>
-        <p:spPr/>
-        <p:txBody>
-          <a:bodyPr/>
-          <a:lstStyle/>
-          <a:p>
-            <a:r>
-              <a:rPr lang="en-US" dirty="0" smtClean="0"/>
-              <a:t>User List</a:t>
-            </a:r>
-            <a:endParaRPr lang="en-US" dirty="0"/>
-          </a:p>
-        </p:txBody>
-      </p:sp>
-      <p:pic>
-        <p:nvPicPr>
-          <p:cNvPr id="5" name="Content Placeholder 4"/>
-          <p:cNvPicPr>
-            <a:picLocks noGrp="1" noChangeAspect="1"/>
-          </p:cNvPicPr>
-          <p:nvPr>
-            <p:ph idx="1"/>
-          </p:nvPr>
-        </p:nvPicPr>
-        <p:blipFill>
-          <a:blip r:embed="rId2">
-            <a:extLst>
-              <a:ext uri="{28A0092B-C50C-407E-A947-70E740481C1C}">
-                <a14:useLocalDpi xmlns:a14="http://schemas.microsoft.com/office/drawing/2010/main" val="0"/>
-              </a:ext>
-            </a:extLst>
-          </a:blip>
-          <a:stretch>
-            <a:fillRect/>
-          </a:stretch>
-        </p:blipFill>
-        <p:spPr>
-          <a:xfrm>
-            <a:off x="677863" y="2434806"/>
-            <a:ext cx="8596312" cy="3333001"/>
+            <a:off x="677863" y="1622738"/>
+            <a:ext cx="8596312" cy="4145069"/>
           </a:xfrm>
         </p:spPr>
       </p:pic>
@@ -6572,7 +7895,7 @@
 </p:sld>
 </file>
 
-<file path=ppt/slides/slide16.xml><?xml version="1.0" encoding="utf-8"?>
+<file path=ppt/slides/slide29.xml><?xml version="1.0" encoding="utf-8"?>
 <p:sld xmlns:a="http://schemas.openxmlformats.org/drawingml/2006/main" xmlns:r="http://schemas.openxmlformats.org/officeDocument/2006/relationships" xmlns:p="http://schemas.openxmlformats.org/presentationml/2006/main">
   <p:cSld>
     <p:spTree>
@@ -6594,7 +7917,7 @@
           <p:cNvPr id="2" name="Title 1">
             <a:extLst>
               <a:ext uri="{FF2B5EF4-FFF2-40B4-BE49-F238E27FC236}">
-                <a16:creationId xmlns:a16="http://schemas.microsoft.com/office/drawing/2014/main" id="{36829823-A6BE-4C9A-AFFC-DE781198AB20}"/>
+                <a16:creationId xmlns="" xmlns:a16="http://schemas.microsoft.com/office/drawing/2014/main" id="{05BA976B-CBDA-4A5C-A81F-8D2DDA06C63F}"/>
               </a:ext>
             </a:extLst>
           </p:cNvPr>
@@ -6612,7 +7935,7 @@
           <a:p>
             <a:r>
               <a:rPr lang="en-US" dirty="0" smtClean="0"/>
-              <a:t>Login User </a:t>
+              <a:t>Police list</a:t>
             </a:r>
             <a:endParaRPr lang="en-US" dirty="0"/>
           </a:p>
@@ -6620,7 +7943,7 @@
       </p:sp>
       <p:pic>
         <p:nvPicPr>
-          <p:cNvPr id="15" name="Content Placeholder 14"/>
+          <p:cNvPr id="4" name="Content Placeholder 3"/>
           <p:cNvPicPr>
             <a:picLocks noGrp="1" noChangeAspect="1"/>
           </p:cNvPicPr>
@@ -6642,302 +7965,15 @@
         </p:blipFill>
         <p:spPr>
           <a:xfrm>
-            <a:off x="299438" y="2078182"/>
-            <a:ext cx="9352460" cy="3769217"/>
+            <a:off x="383846" y="1442434"/>
+            <a:ext cx="8785911" cy="4599591"/>
           </a:xfrm>
         </p:spPr>
       </p:pic>
     </p:spTree>
     <p:extLst>
       <p:ext uri="{BB962C8B-B14F-4D97-AF65-F5344CB8AC3E}">
-        <p14:creationId xmlns:p14="http://schemas.microsoft.com/office/powerpoint/2010/main" val="2780572648"/>
-      </p:ext>
-    </p:extLst>
-  </p:cSld>
-  <p:clrMapOvr>
-    <a:masterClrMapping/>
-  </p:clrMapOvr>
-  <p:timing>
-    <p:tnLst>
-      <p:par>
-        <p:cTn id="1" dur="indefinite" restart="never" nodeType="tmRoot"/>
-      </p:par>
-    </p:tnLst>
-  </p:timing>
-</p:sld>
-</file>
-
-<file path=ppt/slides/slide17.xml><?xml version="1.0" encoding="utf-8"?>
-<p:sld xmlns:a="http://schemas.openxmlformats.org/drawingml/2006/main" xmlns:r="http://schemas.openxmlformats.org/officeDocument/2006/relationships" xmlns:p="http://schemas.openxmlformats.org/presentationml/2006/main">
-  <p:cSld>
-    <p:spTree>
-      <p:nvGrpSpPr>
-        <p:cNvPr id="1" name=""/>
-        <p:cNvGrpSpPr/>
-        <p:nvPr/>
-      </p:nvGrpSpPr>
-      <p:grpSpPr>
-        <a:xfrm>
-          <a:off x="0" y="0"/>
-          <a:ext cx="0" cy="0"/>
-          <a:chOff x="0" y="0"/>
-          <a:chExt cx="0" cy="0"/>
-        </a:xfrm>
-      </p:grpSpPr>
-      <p:sp>
-        <p:nvSpPr>
-          <p:cNvPr id="2" name="Title 1"/>
-          <p:cNvSpPr>
-            <a:spLocks noGrp="1"/>
-          </p:cNvSpPr>
-          <p:nvPr>
-            <p:ph type="title"/>
-          </p:nvPr>
-        </p:nvSpPr>
-        <p:spPr/>
-        <p:txBody>
-          <a:bodyPr/>
-          <a:lstStyle/>
-          <a:p>
-            <a:r>
-              <a:rPr lang="en-US" dirty="0" smtClean="0"/>
-              <a:t>Listed Tenant List</a:t>
-            </a:r>
-            <a:endParaRPr lang="en-US" dirty="0"/>
-          </a:p>
-        </p:txBody>
-      </p:sp>
-      <p:pic>
-        <p:nvPicPr>
-          <p:cNvPr id="5" name="Content Placeholder 4"/>
-          <p:cNvPicPr>
-            <a:picLocks noGrp="1" noChangeAspect="1"/>
-          </p:cNvPicPr>
-          <p:nvPr>
-            <p:ph idx="1"/>
-          </p:nvPr>
-        </p:nvPicPr>
-        <p:blipFill>
-          <a:blip r:embed="rId2">
-            <a:extLst>
-              <a:ext uri="{28A0092B-C50C-407E-A947-70E740481C1C}">
-                <a14:useLocalDpi xmlns:a14="http://schemas.microsoft.com/office/drawing/2010/main" val="0"/>
-              </a:ext>
-            </a:extLst>
-          </a:blip>
-          <a:stretch>
-            <a:fillRect/>
-          </a:stretch>
-        </p:blipFill>
-        <p:spPr>
-          <a:xfrm>
-            <a:off x="1381798" y="2160588"/>
-            <a:ext cx="7188442" cy="3881437"/>
-          </a:xfrm>
-        </p:spPr>
-      </p:pic>
-    </p:spTree>
-    <p:extLst>
-      <p:ext uri="{BB962C8B-B14F-4D97-AF65-F5344CB8AC3E}">
-        <p14:creationId xmlns:p14="http://schemas.microsoft.com/office/powerpoint/2010/main" val="2294321863"/>
-      </p:ext>
-    </p:extLst>
-  </p:cSld>
-  <p:clrMapOvr>
-    <a:masterClrMapping/>
-  </p:clrMapOvr>
-  <p:timing>
-    <p:tnLst>
-      <p:par>
-        <p:cTn id="1" dur="indefinite" restart="never" nodeType="tmRoot"/>
-      </p:par>
-    </p:tnLst>
-  </p:timing>
-</p:sld>
-</file>
-
-<file path=ppt/slides/slide18.xml><?xml version="1.0" encoding="utf-8"?>
-<p:sld xmlns:a="http://schemas.openxmlformats.org/drawingml/2006/main" xmlns:r="http://schemas.openxmlformats.org/officeDocument/2006/relationships" xmlns:p="http://schemas.openxmlformats.org/presentationml/2006/main">
-  <p:cSld>
-    <p:spTree>
-      <p:nvGrpSpPr>
-        <p:cNvPr id="1" name=""/>
-        <p:cNvGrpSpPr/>
-        <p:nvPr/>
-      </p:nvGrpSpPr>
-      <p:grpSpPr>
-        <a:xfrm>
-          <a:off x="0" y="0"/>
-          <a:ext cx="0" cy="0"/>
-          <a:chOff x="0" y="0"/>
-          <a:chExt cx="0" cy="0"/>
-        </a:xfrm>
-      </p:grpSpPr>
-      <p:sp>
-        <p:nvSpPr>
-          <p:cNvPr id="2" name="Title 1"/>
-          <p:cNvSpPr>
-            <a:spLocks noGrp="1"/>
-          </p:cNvSpPr>
-          <p:nvPr>
-            <p:ph type="title"/>
-          </p:nvPr>
-        </p:nvSpPr>
-        <p:spPr/>
-        <p:txBody>
-          <a:bodyPr/>
-          <a:lstStyle/>
-          <a:p>
-            <a:r>
-              <a:rPr lang="en-US" dirty="0" smtClean="0"/>
-              <a:t>Flat List</a:t>
-            </a:r>
-            <a:endParaRPr lang="en-US" dirty="0"/>
-          </a:p>
-        </p:txBody>
-      </p:sp>
-      <p:pic>
-        <p:nvPicPr>
-          <p:cNvPr id="15" name="Content Placeholder 14"/>
-          <p:cNvPicPr>
-            <a:picLocks noGrp="1" noChangeAspect="1"/>
-          </p:cNvPicPr>
-          <p:nvPr>
-            <p:ph idx="1"/>
-          </p:nvPr>
-        </p:nvPicPr>
-        <p:blipFill>
-          <a:blip r:embed="rId2">
-            <a:extLst>
-              <a:ext uri="{28A0092B-C50C-407E-A947-70E740481C1C}">
-                <a14:useLocalDpi xmlns:a14="http://schemas.microsoft.com/office/drawing/2010/main" val="0"/>
-              </a:ext>
-            </a:extLst>
-          </a:blip>
-          <a:stretch>
-            <a:fillRect/>
-          </a:stretch>
-        </p:blipFill>
-        <p:spPr>
-          <a:xfrm>
-            <a:off x="962877" y="2160588"/>
-            <a:ext cx="8026284" cy="3881437"/>
-          </a:xfrm>
-        </p:spPr>
-      </p:pic>
-    </p:spTree>
-    <p:extLst>
-      <p:ext uri="{BB962C8B-B14F-4D97-AF65-F5344CB8AC3E}">
-        <p14:creationId xmlns:p14="http://schemas.microsoft.com/office/powerpoint/2010/main" val="2227859304"/>
-      </p:ext>
-    </p:extLst>
-  </p:cSld>
-  <p:clrMapOvr>
-    <a:masterClrMapping/>
-  </p:clrMapOvr>
-  <p:timing>
-    <p:tnLst>
-      <p:par>
-        <p:cTn id="1" dur="indefinite" restart="never" nodeType="tmRoot"/>
-      </p:par>
-    </p:tnLst>
-  </p:timing>
-</p:sld>
-</file>
-
-<file path=ppt/slides/slide2.xml><?xml version="1.0" encoding="utf-8"?>
-<p:sld xmlns:a="http://schemas.openxmlformats.org/drawingml/2006/main" xmlns:r="http://schemas.openxmlformats.org/officeDocument/2006/relationships" xmlns:p="http://schemas.openxmlformats.org/presentationml/2006/main">
-  <p:cSld>
-    <p:spTree>
-      <p:nvGrpSpPr>
-        <p:cNvPr id="1" name=""/>
-        <p:cNvGrpSpPr/>
-        <p:nvPr/>
-      </p:nvGrpSpPr>
-      <p:grpSpPr>
-        <a:xfrm>
-          <a:off x="0" y="0"/>
-          <a:ext cx="0" cy="0"/>
-          <a:chOff x="0" y="0"/>
-          <a:chExt cx="0" cy="0"/>
-        </a:xfrm>
-      </p:grpSpPr>
-      <p:sp>
-        <p:nvSpPr>
-          <p:cNvPr id="2" name="Title 1">
-            <a:extLst>
-              <a:ext uri="{FF2B5EF4-FFF2-40B4-BE49-F238E27FC236}">
-                <a16:creationId xmlns:a16="http://schemas.microsoft.com/office/drawing/2014/main" id="{FB06C16F-A381-467B-ABD3-0394D86C986F}"/>
-              </a:ext>
-            </a:extLst>
-          </p:cNvPr>
-          <p:cNvSpPr>
-            <a:spLocks noGrp="1"/>
-          </p:cNvSpPr>
-          <p:nvPr>
-            <p:ph type="title"/>
-          </p:nvPr>
-        </p:nvSpPr>
-        <p:spPr>
-          <a:xfrm>
-            <a:off x="677335" y="501008"/>
-            <a:ext cx="8596668" cy="638680"/>
-          </a:xfrm>
-        </p:spPr>
-        <p:txBody>
-          <a:bodyPr>
-            <a:normAutofit fontScale="90000"/>
-          </a:bodyPr>
-          <a:lstStyle/>
-          <a:p>
-            <a:r>
-              <a:rPr lang="en-US" dirty="0"/>
-              <a:t>Requirements</a:t>
-            </a:r>
-          </a:p>
-        </p:txBody>
-      </p:sp>
-      <p:sp>
-        <p:nvSpPr>
-          <p:cNvPr id="3" name="Text Placeholder 2">
-            <a:extLst>
-              <a:ext uri="{FF2B5EF4-FFF2-40B4-BE49-F238E27FC236}">
-                <a16:creationId xmlns:a16="http://schemas.microsoft.com/office/drawing/2014/main" id="{9FCDDA1B-63DD-44F9-B204-645D6F4A81F4}"/>
-              </a:ext>
-            </a:extLst>
-          </p:cNvPr>
-          <p:cNvSpPr>
-            <a:spLocks noGrp="1"/>
-          </p:cNvSpPr>
-          <p:nvPr>
-            <p:ph type="body" idx="1"/>
-          </p:nvPr>
-        </p:nvSpPr>
-        <p:spPr>
-          <a:xfrm>
-            <a:off x="677335" y="1338469"/>
-            <a:ext cx="8596668" cy="4161785"/>
-          </a:xfrm>
-        </p:spPr>
-        <p:txBody>
-          <a:bodyPr>
-            <a:normAutofit/>
-          </a:bodyPr>
-          <a:lstStyle/>
-          <a:p>
-            <a:pPr algn="just"/>
-            <a:r>
-              <a:rPr lang="en-US" b="1" dirty="0" smtClean="0"/>
-              <a:t>To Collect information to the residence Government want to launch web application for this purpose we think to build a web application to collect the residence (House Owner, Tenant) information. It is very easy to use any one can first registration as a user and he/she select his/her type and then login the web application and give his/her all required information. Police can see the list of the residence. </a:t>
-            </a:r>
-            <a:endParaRPr lang="en-US" dirty="0"/>
-          </a:p>
-        </p:txBody>
-      </p:sp>
-    </p:spTree>
-    <p:extLst>
-      <p:ext uri="{BB962C8B-B14F-4D97-AF65-F5344CB8AC3E}">
-        <p14:creationId xmlns:p14="http://schemas.microsoft.com/office/powerpoint/2010/main" val="1715368567"/>
+        <p14:creationId xmlns:p14="http://schemas.microsoft.com/office/powerpoint/2010/main" val="3733680419"/>
       </p:ext>
     </p:extLst>
   </p:cSld>
@@ -6976,7 +8012,7 @@
           <p:cNvPr id="2" name="Title 1">
             <a:extLst>
               <a:ext uri="{FF2B5EF4-FFF2-40B4-BE49-F238E27FC236}">
-                <a16:creationId xmlns:a16="http://schemas.microsoft.com/office/drawing/2014/main" id="{F3EE3CD5-BB80-49AE-9583-44D161BC9D31}"/>
+                <a16:creationId xmlns="" xmlns:a16="http://schemas.microsoft.com/office/drawing/2014/main" id="{F3EE3CD5-BB80-49AE-9583-44D161BC9D31}"/>
               </a:ext>
             </a:extLst>
           </p:cNvPr>
@@ -7011,7 +8047,7 @@
           <p:cNvPr id="3" name="Text Placeholder 2">
             <a:extLst>
               <a:ext uri="{FF2B5EF4-FFF2-40B4-BE49-F238E27FC236}">
-                <a16:creationId xmlns:a16="http://schemas.microsoft.com/office/drawing/2014/main" id="{2193F11E-607E-446C-8A0C-28202449EC0C}"/>
+                <a16:creationId xmlns="" xmlns:a16="http://schemas.microsoft.com/office/drawing/2014/main" id="{2193F11E-607E-446C-8A0C-28202449EC0C}"/>
               </a:ext>
             </a:extLst>
           </p:cNvPr>
@@ -7108,8 +8144,15 @@
             </a:r>
             <a:r>
               <a:rPr lang="en-US" sz="3600" dirty="0"/>
-              <a:t>of Resident</a:t>
-            </a:r>
+              <a:t>of </a:t>
+            </a:r>
+            <a:r>
+              <a:rPr lang="en-US" sz="3600" dirty="0" smtClean="0"/>
+              <a:t>Resident</a:t>
+            </a:r>
+          </a:p>
+          <a:p>
+            <a:endParaRPr lang="en-US" sz="3600" dirty="0"/>
           </a:p>
         </p:txBody>
       </p:sp>
@@ -7117,6 +8160,796 @@
     <p:extLst>
       <p:ext uri="{BB962C8B-B14F-4D97-AF65-F5344CB8AC3E}">
         <p14:creationId xmlns:p14="http://schemas.microsoft.com/office/powerpoint/2010/main" val="1447877403"/>
+      </p:ext>
+    </p:extLst>
+  </p:cSld>
+  <p:clrMapOvr>
+    <a:masterClrMapping/>
+  </p:clrMapOvr>
+  <p:timing>
+    <p:tnLst>
+      <p:par>
+        <p:cTn id="1" dur="indefinite" restart="never" nodeType="tmRoot"/>
+      </p:par>
+    </p:tnLst>
+  </p:timing>
+</p:sld>
+</file>
+
+<file path=ppt/slides/slide30.xml><?xml version="1.0" encoding="utf-8"?>
+<p:sld xmlns:a="http://schemas.openxmlformats.org/drawingml/2006/main" xmlns:r="http://schemas.openxmlformats.org/officeDocument/2006/relationships" xmlns:p="http://schemas.openxmlformats.org/presentationml/2006/main">
+  <p:cSld>
+    <p:spTree>
+      <p:nvGrpSpPr>
+        <p:cNvPr id="1" name=""/>
+        <p:cNvGrpSpPr/>
+        <p:nvPr/>
+      </p:nvGrpSpPr>
+      <p:grpSpPr>
+        <a:xfrm>
+          <a:off x="0" y="0"/>
+          <a:ext cx="0" cy="0"/>
+          <a:chOff x="0" y="0"/>
+          <a:chExt cx="0" cy="0"/>
+        </a:xfrm>
+      </p:grpSpPr>
+      <p:sp>
+        <p:nvSpPr>
+          <p:cNvPr id="2" name="Title 1">
+            <a:extLst>
+              <a:ext uri="{FF2B5EF4-FFF2-40B4-BE49-F238E27FC236}">
+                <a16:creationId xmlns="" xmlns:a16="http://schemas.microsoft.com/office/drawing/2014/main" id="{05BA976B-CBDA-4A5C-A81F-8D2DDA06C63F}"/>
+              </a:ext>
+            </a:extLst>
+          </p:cNvPr>
+          <p:cNvSpPr>
+            <a:spLocks noGrp="1"/>
+          </p:cNvSpPr>
+          <p:nvPr>
+            <p:ph type="title"/>
+          </p:nvPr>
+        </p:nvSpPr>
+        <p:spPr/>
+        <p:txBody>
+          <a:bodyPr/>
+          <a:lstStyle/>
+          <a:p>
+            <a:r>
+              <a:rPr lang="en-US" dirty="0"/>
+              <a:t>House Owner </a:t>
+            </a:r>
+            <a:r>
+              <a:rPr lang="en-US" dirty="0" smtClean="0"/>
+              <a:t>list</a:t>
+            </a:r>
+            <a:endParaRPr lang="en-US" dirty="0"/>
+          </a:p>
+        </p:txBody>
+      </p:sp>
+      <p:pic>
+        <p:nvPicPr>
+          <p:cNvPr id="5" name="Content Placeholder 4"/>
+          <p:cNvPicPr>
+            <a:picLocks noGrp="1" noChangeAspect="1"/>
+          </p:cNvPicPr>
+          <p:nvPr>
+            <p:ph idx="1"/>
+          </p:nvPr>
+        </p:nvPicPr>
+        <p:blipFill>
+          <a:blip r:embed="rId2">
+            <a:extLst>
+              <a:ext uri="{28A0092B-C50C-407E-A947-70E740481C1C}">
+                <a14:useLocalDpi xmlns:a14="http://schemas.microsoft.com/office/drawing/2010/main" val="0"/>
+              </a:ext>
+            </a:extLst>
+          </a:blip>
+          <a:stretch>
+            <a:fillRect/>
+          </a:stretch>
+        </p:blipFill>
+        <p:spPr>
+          <a:xfrm>
+            <a:off x="677863" y="1687132"/>
+            <a:ext cx="8596312" cy="4597758"/>
+          </a:xfrm>
+        </p:spPr>
+      </p:pic>
+    </p:spTree>
+    <p:extLst>
+      <p:ext uri="{BB962C8B-B14F-4D97-AF65-F5344CB8AC3E}">
+        <p14:creationId xmlns:p14="http://schemas.microsoft.com/office/powerpoint/2010/main" val="209914388"/>
+      </p:ext>
+    </p:extLst>
+  </p:cSld>
+  <p:clrMapOvr>
+    <a:masterClrMapping/>
+  </p:clrMapOvr>
+  <p:timing>
+    <p:tnLst>
+      <p:par>
+        <p:cTn id="1" dur="indefinite" restart="never" nodeType="tmRoot"/>
+      </p:par>
+    </p:tnLst>
+  </p:timing>
+</p:sld>
+</file>
+
+<file path=ppt/slides/slide31.xml><?xml version="1.0" encoding="utf-8"?>
+<p:sld xmlns:a="http://schemas.openxmlformats.org/drawingml/2006/main" xmlns:r="http://schemas.openxmlformats.org/officeDocument/2006/relationships" xmlns:p="http://schemas.openxmlformats.org/presentationml/2006/main">
+  <p:cSld>
+    <p:spTree>
+      <p:nvGrpSpPr>
+        <p:cNvPr id="1" name=""/>
+        <p:cNvGrpSpPr/>
+        <p:nvPr/>
+      </p:nvGrpSpPr>
+      <p:grpSpPr>
+        <a:xfrm>
+          <a:off x="0" y="0"/>
+          <a:ext cx="0" cy="0"/>
+          <a:chOff x="0" y="0"/>
+          <a:chExt cx="0" cy="0"/>
+        </a:xfrm>
+      </p:grpSpPr>
+      <p:sp>
+        <p:nvSpPr>
+          <p:cNvPr id="2" name="Title 1"/>
+          <p:cNvSpPr>
+            <a:spLocks noGrp="1"/>
+          </p:cNvSpPr>
+          <p:nvPr>
+            <p:ph type="title"/>
+          </p:nvPr>
+        </p:nvSpPr>
+        <p:spPr/>
+        <p:txBody>
+          <a:bodyPr/>
+          <a:lstStyle/>
+          <a:p>
+            <a:r>
+              <a:rPr lang="en-US" dirty="0" smtClean="0"/>
+              <a:t>Tenant List</a:t>
+            </a:r>
+            <a:endParaRPr lang="en-US" dirty="0"/>
+          </a:p>
+        </p:txBody>
+      </p:sp>
+      <p:pic>
+        <p:nvPicPr>
+          <p:cNvPr id="5" name="Content Placeholder 4"/>
+          <p:cNvPicPr>
+            <a:picLocks noGrp="1" noChangeAspect="1"/>
+          </p:cNvPicPr>
+          <p:nvPr>
+            <p:ph idx="1"/>
+          </p:nvPr>
+        </p:nvPicPr>
+        <p:blipFill>
+          <a:blip r:embed="rId2">
+            <a:extLst>
+              <a:ext uri="{28A0092B-C50C-407E-A947-70E740481C1C}">
+                <a14:useLocalDpi xmlns:a14="http://schemas.microsoft.com/office/drawing/2010/main" val="0"/>
+              </a:ext>
+            </a:extLst>
+          </a:blip>
+          <a:stretch>
+            <a:fillRect/>
+          </a:stretch>
+        </p:blipFill>
+        <p:spPr>
+          <a:xfrm>
+            <a:off x="337993" y="1596980"/>
+            <a:ext cx="9295404" cy="4675031"/>
+          </a:xfrm>
+        </p:spPr>
+      </p:pic>
+    </p:spTree>
+    <p:extLst>
+      <p:ext uri="{BB962C8B-B14F-4D97-AF65-F5344CB8AC3E}">
+        <p14:creationId xmlns:p14="http://schemas.microsoft.com/office/powerpoint/2010/main" val="2294321863"/>
+      </p:ext>
+    </p:extLst>
+  </p:cSld>
+  <p:clrMapOvr>
+    <a:masterClrMapping/>
+  </p:clrMapOvr>
+  <p:timing>
+    <p:tnLst>
+      <p:par>
+        <p:cTn id="1" dur="indefinite" restart="never" nodeType="tmRoot"/>
+      </p:par>
+    </p:tnLst>
+  </p:timing>
+</p:sld>
+</file>
+
+<file path=ppt/slides/slide32.xml><?xml version="1.0" encoding="utf-8"?>
+<p:sld xmlns:a="http://schemas.openxmlformats.org/drawingml/2006/main" xmlns:r="http://schemas.openxmlformats.org/officeDocument/2006/relationships" xmlns:p="http://schemas.openxmlformats.org/presentationml/2006/main">
+  <p:cSld>
+    <p:spTree>
+      <p:nvGrpSpPr>
+        <p:cNvPr id="1" name=""/>
+        <p:cNvGrpSpPr/>
+        <p:nvPr/>
+      </p:nvGrpSpPr>
+      <p:grpSpPr>
+        <a:xfrm>
+          <a:off x="0" y="0"/>
+          <a:ext cx="0" cy="0"/>
+          <a:chOff x="0" y="0"/>
+          <a:chExt cx="0" cy="0"/>
+        </a:xfrm>
+      </p:grpSpPr>
+      <p:sp>
+        <p:nvSpPr>
+          <p:cNvPr id="2" name="Title 1"/>
+          <p:cNvSpPr>
+            <a:spLocks noGrp="1"/>
+          </p:cNvSpPr>
+          <p:nvPr>
+            <p:ph type="title"/>
+          </p:nvPr>
+        </p:nvSpPr>
+        <p:spPr/>
+        <p:txBody>
+          <a:bodyPr/>
+          <a:lstStyle/>
+          <a:p>
+            <a:r>
+              <a:rPr lang="en-US" dirty="0" smtClean="0"/>
+              <a:t>Building List</a:t>
+            </a:r>
+            <a:endParaRPr lang="en-US" dirty="0"/>
+          </a:p>
+        </p:txBody>
+      </p:sp>
+      <p:pic>
+        <p:nvPicPr>
+          <p:cNvPr id="4" name="Content Placeholder 3"/>
+          <p:cNvPicPr>
+            <a:picLocks noGrp="1" noChangeAspect="1"/>
+          </p:cNvPicPr>
+          <p:nvPr>
+            <p:ph idx="1"/>
+          </p:nvPr>
+        </p:nvPicPr>
+        <p:blipFill>
+          <a:blip r:embed="rId2">
+            <a:extLst>
+              <a:ext uri="{28A0092B-C50C-407E-A947-70E740481C1C}">
+                <a14:useLocalDpi xmlns:a14="http://schemas.microsoft.com/office/drawing/2010/main" val="0"/>
+              </a:ext>
+            </a:extLst>
+          </a:blip>
+          <a:stretch>
+            <a:fillRect/>
+          </a:stretch>
+        </p:blipFill>
+        <p:spPr>
+          <a:xfrm>
+            <a:off x="677863" y="1841680"/>
+            <a:ext cx="8596312" cy="3825024"/>
+          </a:xfrm>
+        </p:spPr>
+      </p:pic>
+    </p:spTree>
+    <p:extLst>
+      <p:ext uri="{BB962C8B-B14F-4D97-AF65-F5344CB8AC3E}">
+        <p14:creationId xmlns:p14="http://schemas.microsoft.com/office/powerpoint/2010/main" val="2242100449"/>
+      </p:ext>
+    </p:extLst>
+  </p:cSld>
+  <p:clrMapOvr>
+    <a:masterClrMapping/>
+  </p:clrMapOvr>
+  <p:timing>
+    <p:tnLst>
+      <p:par>
+        <p:cTn id="1" dur="indefinite" restart="never" nodeType="tmRoot"/>
+      </p:par>
+    </p:tnLst>
+  </p:timing>
+</p:sld>
+</file>
+
+<file path=ppt/slides/slide33.xml><?xml version="1.0" encoding="utf-8"?>
+<p:sld xmlns:a="http://schemas.openxmlformats.org/drawingml/2006/main" xmlns:r="http://schemas.openxmlformats.org/officeDocument/2006/relationships" xmlns:p="http://schemas.openxmlformats.org/presentationml/2006/main">
+  <p:cSld>
+    <p:spTree>
+      <p:nvGrpSpPr>
+        <p:cNvPr id="1" name=""/>
+        <p:cNvGrpSpPr/>
+        <p:nvPr/>
+      </p:nvGrpSpPr>
+      <p:grpSpPr>
+        <a:xfrm>
+          <a:off x="0" y="0"/>
+          <a:ext cx="0" cy="0"/>
+          <a:chOff x="0" y="0"/>
+          <a:chExt cx="0" cy="0"/>
+        </a:xfrm>
+      </p:grpSpPr>
+      <p:sp>
+        <p:nvSpPr>
+          <p:cNvPr id="2" name="Title 1"/>
+          <p:cNvSpPr>
+            <a:spLocks noGrp="1"/>
+          </p:cNvSpPr>
+          <p:nvPr>
+            <p:ph type="title"/>
+          </p:nvPr>
+        </p:nvSpPr>
+        <p:spPr/>
+        <p:txBody>
+          <a:bodyPr/>
+          <a:lstStyle/>
+          <a:p>
+            <a:r>
+              <a:rPr lang="en-US" dirty="0" smtClean="0"/>
+              <a:t>Notice Sent</a:t>
+            </a:r>
+            <a:endParaRPr lang="en-US" dirty="0"/>
+          </a:p>
+        </p:txBody>
+      </p:sp>
+      <p:pic>
+        <p:nvPicPr>
+          <p:cNvPr id="5" name="Content Placeholder 4"/>
+          <p:cNvPicPr>
+            <a:picLocks noGrp="1" noChangeAspect="1"/>
+          </p:cNvPicPr>
+          <p:nvPr>
+            <p:ph idx="1"/>
+          </p:nvPr>
+        </p:nvPicPr>
+        <p:blipFill>
+          <a:blip r:embed="rId2">
+            <a:extLst>
+              <a:ext uri="{28A0092B-C50C-407E-A947-70E740481C1C}">
+                <a14:useLocalDpi xmlns:a14="http://schemas.microsoft.com/office/drawing/2010/main" val="0"/>
+              </a:ext>
+            </a:extLst>
+          </a:blip>
+          <a:stretch>
+            <a:fillRect/>
+          </a:stretch>
+        </p:blipFill>
+        <p:spPr>
+          <a:xfrm>
+            <a:off x="688130" y="1493950"/>
+            <a:ext cx="8575778" cy="4548076"/>
+          </a:xfrm>
+        </p:spPr>
+      </p:pic>
+    </p:spTree>
+    <p:extLst>
+      <p:ext uri="{BB962C8B-B14F-4D97-AF65-F5344CB8AC3E}">
+        <p14:creationId xmlns:p14="http://schemas.microsoft.com/office/powerpoint/2010/main" val="3836361863"/>
+      </p:ext>
+    </p:extLst>
+  </p:cSld>
+  <p:clrMapOvr>
+    <a:masterClrMapping/>
+  </p:clrMapOvr>
+  <p:timing>
+    <p:tnLst>
+      <p:par>
+        <p:cTn id="1" dur="indefinite" restart="never" nodeType="tmRoot"/>
+      </p:par>
+    </p:tnLst>
+  </p:timing>
+</p:sld>
+</file>
+
+<file path=ppt/slides/slide34.xml><?xml version="1.0" encoding="utf-8"?>
+<p:sld xmlns:a="http://schemas.openxmlformats.org/drawingml/2006/main" xmlns:r="http://schemas.openxmlformats.org/officeDocument/2006/relationships" xmlns:p="http://schemas.openxmlformats.org/presentationml/2006/main">
+  <p:cSld>
+    <p:spTree>
+      <p:nvGrpSpPr>
+        <p:cNvPr id="1" name=""/>
+        <p:cNvGrpSpPr/>
+        <p:nvPr/>
+      </p:nvGrpSpPr>
+      <p:grpSpPr>
+        <a:xfrm>
+          <a:off x="0" y="0"/>
+          <a:ext cx="0" cy="0"/>
+          <a:chOff x="0" y="0"/>
+          <a:chExt cx="0" cy="0"/>
+        </a:xfrm>
+      </p:grpSpPr>
+      <p:sp>
+        <p:nvSpPr>
+          <p:cNvPr id="2" name="Title 1"/>
+          <p:cNvSpPr>
+            <a:spLocks noGrp="1"/>
+          </p:cNvSpPr>
+          <p:nvPr>
+            <p:ph type="title"/>
+          </p:nvPr>
+        </p:nvSpPr>
+        <p:spPr/>
+        <p:txBody>
+          <a:bodyPr/>
+          <a:lstStyle/>
+          <a:p>
+            <a:r>
+              <a:rPr lang="en-US" dirty="0" smtClean="0"/>
+              <a:t>Division List</a:t>
+            </a:r>
+            <a:endParaRPr lang="en-US" dirty="0"/>
+          </a:p>
+        </p:txBody>
+      </p:sp>
+      <p:pic>
+        <p:nvPicPr>
+          <p:cNvPr id="4" name="Content Placeholder 3"/>
+          <p:cNvPicPr>
+            <a:picLocks noGrp="1" noChangeAspect="1"/>
+          </p:cNvPicPr>
+          <p:nvPr>
+            <p:ph idx="1"/>
+          </p:nvPr>
+        </p:nvPicPr>
+        <p:blipFill>
+          <a:blip r:embed="rId2">
+            <a:extLst>
+              <a:ext uri="{28A0092B-C50C-407E-A947-70E740481C1C}">
+                <a14:useLocalDpi xmlns:a14="http://schemas.microsoft.com/office/drawing/2010/main" val="0"/>
+              </a:ext>
+            </a:extLst>
+          </a:blip>
+          <a:stretch>
+            <a:fillRect/>
+          </a:stretch>
+        </p:blipFill>
+        <p:spPr>
+          <a:xfrm>
+            <a:off x="471771" y="1339404"/>
+            <a:ext cx="8105559" cy="4970146"/>
+          </a:xfrm>
+        </p:spPr>
+      </p:pic>
+    </p:spTree>
+    <p:extLst>
+      <p:ext uri="{BB962C8B-B14F-4D97-AF65-F5344CB8AC3E}">
+        <p14:creationId xmlns:p14="http://schemas.microsoft.com/office/powerpoint/2010/main" val="1288163593"/>
+      </p:ext>
+    </p:extLst>
+  </p:cSld>
+  <p:clrMapOvr>
+    <a:masterClrMapping/>
+  </p:clrMapOvr>
+  <p:timing>
+    <p:tnLst>
+      <p:par>
+        <p:cTn id="1" dur="indefinite" restart="never" nodeType="tmRoot"/>
+      </p:par>
+    </p:tnLst>
+  </p:timing>
+</p:sld>
+</file>
+
+<file path=ppt/slides/slide35.xml><?xml version="1.0" encoding="utf-8"?>
+<p:sld xmlns:a="http://schemas.openxmlformats.org/drawingml/2006/main" xmlns:r="http://schemas.openxmlformats.org/officeDocument/2006/relationships" xmlns:p="http://schemas.openxmlformats.org/presentationml/2006/main">
+  <p:cSld>
+    <p:spTree>
+      <p:nvGrpSpPr>
+        <p:cNvPr id="1" name=""/>
+        <p:cNvGrpSpPr/>
+        <p:nvPr/>
+      </p:nvGrpSpPr>
+      <p:grpSpPr>
+        <a:xfrm>
+          <a:off x="0" y="0"/>
+          <a:ext cx="0" cy="0"/>
+          <a:chOff x="0" y="0"/>
+          <a:chExt cx="0" cy="0"/>
+        </a:xfrm>
+      </p:grpSpPr>
+      <p:sp>
+        <p:nvSpPr>
+          <p:cNvPr id="2" name="Title 1"/>
+          <p:cNvSpPr>
+            <a:spLocks noGrp="1"/>
+          </p:cNvSpPr>
+          <p:nvPr>
+            <p:ph type="title"/>
+          </p:nvPr>
+        </p:nvSpPr>
+        <p:spPr/>
+        <p:txBody>
+          <a:bodyPr/>
+          <a:lstStyle/>
+          <a:p>
+            <a:r>
+              <a:rPr lang="en-US" dirty="0" smtClean="0"/>
+              <a:t>Districts List</a:t>
+            </a:r>
+            <a:endParaRPr lang="en-US" dirty="0"/>
+          </a:p>
+        </p:txBody>
+      </p:sp>
+      <p:pic>
+        <p:nvPicPr>
+          <p:cNvPr id="5" name="Content Placeholder 4"/>
+          <p:cNvPicPr>
+            <a:picLocks noGrp="1" noChangeAspect="1"/>
+          </p:cNvPicPr>
+          <p:nvPr>
+            <p:ph idx="1"/>
+          </p:nvPr>
+        </p:nvPicPr>
+        <p:blipFill>
+          <a:blip r:embed="rId2">
+            <a:extLst>
+              <a:ext uri="{28A0092B-C50C-407E-A947-70E740481C1C}">
+                <a14:useLocalDpi xmlns:a14="http://schemas.microsoft.com/office/drawing/2010/main" val="0"/>
+              </a:ext>
+            </a:extLst>
+          </a:blip>
+          <a:stretch>
+            <a:fillRect/>
+          </a:stretch>
+        </p:blipFill>
+        <p:spPr>
+          <a:xfrm>
+            <a:off x="738072" y="1481071"/>
+            <a:ext cx="8470321" cy="4573833"/>
+          </a:xfrm>
+        </p:spPr>
+      </p:pic>
+    </p:spTree>
+    <p:extLst>
+      <p:ext uri="{BB962C8B-B14F-4D97-AF65-F5344CB8AC3E}">
+        <p14:creationId xmlns:p14="http://schemas.microsoft.com/office/powerpoint/2010/main" val="3197061356"/>
+      </p:ext>
+    </p:extLst>
+  </p:cSld>
+  <p:clrMapOvr>
+    <a:masterClrMapping/>
+  </p:clrMapOvr>
+  <p:timing>
+    <p:tnLst>
+      <p:par>
+        <p:cTn id="1" dur="indefinite" restart="never" nodeType="tmRoot"/>
+      </p:par>
+    </p:tnLst>
+  </p:timing>
+</p:sld>
+</file>
+
+<file path=ppt/slides/slide36.xml><?xml version="1.0" encoding="utf-8"?>
+<p:sld xmlns:a="http://schemas.openxmlformats.org/drawingml/2006/main" xmlns:r="http://schemas.openxmlformats.org/officeDocument/2006/relationships" xmlns:p="http://schemas.openxmlformats.org/presentationml/2006/main">
+  <p:cSld>
+    <p:spTree>
+      <p:nvGrpSpPr>
+        <p:cNvPr id="1" name=""/>
+        <p:cNvGrpSpPr/>
+        <p:nvPr/>
+      </p:nvGrpSpPr>
+      <p:grpSpPr>
+        <a:xfrm>
+          <a:off x="0" y="0"/>
+          <a:ext cx="0" cy="0"/>
+          <a:chOff x="0" y="0"/>
+          <a:chExt cx="0" cy="0"/>
+        </a:xfrm>
+      </p:grpSpPr>
+      <p:sp>
+        <p:nvSpPr>
+          <p:cNvPr id="2" name="Title 1"/>
+          <p:cNvSpPr>
+            <a:spLocks noGrp="1"/>
+          </p:cNvSpPr>
+          <p:nvPr>
+            <p:ph type="title"/>
+          </p:nvPr>
+        </p:nvSpPr>
+        <p:spPr/>
+        <p:txBody>
+          <a:bodyPr/>
+          <a:lstStyle/>
+          <a:p>
+            <a:r>
+              <a:rPr lang="en-US" dirty="0" smtClean="0"/>
+              <a:t>City Corporations List</a:t>
+            </a:r>
+            <a:endParaRPr lang="en-US" dirty="0"/>
+          </a:p>
+        </p:txBody>
+      </p:sp>
+      <p:pic>
+        <p:nvPicPr>
+          <p:cNvPr id="4" name="Content Placeholder 3"/>
+          <p:cNvPicPr>
+            <a:picLocks noGrp="1" noChangeAspect="1"/>
+          </p:cNvPicPr>
+          <p:nvPr>
+            <p:ph idx="1"/>
+          </p:nvPr>
+        </p:nvPicPr>
+        <p:blipFill>
+          <a:blip r:embed="rId2">
+            <a:extLst>
+              <a:ext uri="{28A0092B-C50C-407E-A947-70E740481C1C}">
+                <a14:useLocalDpi xmlns:a14="http://schemas.microsoft.com/office/drawing/2010/main" val="0"/>
+              </a:ext>
+            </a:extLst>
+          </a:blip>
+          <a:stretch>
+            <a:fillRect/>
+          </a:stretch>
+        </p:blipFill>
+        <p:spPr>
+          <a:xfrm>
+            <a:off x="677863" y="1944710"/>
+            <a:ext cx="8596312" cy="3390938"/>
+          </a:xfrm>
+        </p:spPr>
+      </p:pic>
+    </p:spTree>
+    <p:extLst>
+      <p:ext uri="{BB962C8B-B14F-4D97-AF65-F5344CB8AC3E}">
+        <p14:creationId xmlns:p14="http://schemas.microsoft.com/office/powerpoint/2010/main" val="3855724198"/>
+      </p:ext>
+    </p:extLst>
+  </p:cSld>
+  <p:clrMapOvr>
+    <a:masterClrMapping/>
+  </p:clrMapOvr>
+  <p:timing>
+    <p:tnLst>
+      <p:par>
+        <p:cTn id="1" dur="indefinite" restart="never" nodeType="tmRoot"/>
+      </p:par>
+    </p:tnLst>
+  </p:timing>
+</p:sld>
+</file>
+
+<file path=ppt/slides/slide37.xml><?xml version="1.0" encoding="utf-8"?>
+<p:sld xmlns:a="http://schemas.openxmlformats.org/drawingml/2006/main" xmlns:r="http://schemas.openxmlformats.org/officeDocument/2006/relationships" xmlns:p="http://schemas.openxmlformats.org/presentationml/2006/main">
+  <p:cSld>
+    <p:spTree>
+      <p:nvGrpSpPr>
+        <p:cNvPr id="1" name=""/>
+        <p:cNvGrpSpPr/>
+        <p:nvPr/>
+      </p:nvGrpSpPr>
+      <p:grpSpPr>
+        <a:xfrm>
+          <a:off x="0" y="0"/>
+          <a:ext cx="0" cy="0"/>
+          <a:chOff x="0" y="0"/>
+          <a:chExt cx="0" cy="0"/>
+        </a:xfrm>
+      </p:grpSpPr>
+      <p:sp>
+        <p:nvSpPr>
+          <p:cNvPr id="2" name="Title 1"/>
+          <p:cNvSpPr>
+            <a:spLocks noGrp="1"/>
+          </p:cNvSpPr>
+          <p:nvPr>
+            <p:ph type="title"/>
+          </p:nvPr>
+        </p:nvSpPr>
+        <p:spPr/>
+        <p:txBody>
+          <a:bodyPr/>
+          <a:lstStyle/>
+          <a:p>
+            <a:r>
+              <a:rPr lang="en-US" dirty="0" smtClean="0"/>
+              <a:t>Than List</a:t>
+            </a:r>
+            <a:endParaRPr lang="en-US" dirty="0"/>
+          </a:p>
+        </p:txBody>
+      </p:sp>
+      <p:pic>
+        <p:nvPicPr>
+          <p:cNvPr id="5" name="Content Placeholder 4"/>
+          <p:cNvPicPr>
+            <a:picLocks noGrp="1" noChangeAspect="1"/>
+          </p:cNvPicPr>
+          <p:nvPr>
+            <p:ph idx="1"/>
+          </p:nvPr>
+        </p:nvPicPr>
+        <p:blipFill>
+          <a:blip r:embed="rId2">
+            <a:extLst>
+              <a:ext uri="{28A0092B-C50C-407E-A947-70E740481C1C}">
+                <a14:useLocalDpi xmlns:a14="http://schemas.microsoft.com/office/drawing/2010/main" val="0"/>
+              </a:ext>
+            </a:extLst>
+          </a:blip>
+          <a:stretch>
+            <a:fillRect/>
+          </a:stretch>
+        </p:blipFill>
+        <p:spPr>
+          <a:xfrm>
+            <a:off x="877909" y="1712890"/>
+            <a:ext cx="7725178" cy="4481848"/>
+          </a:xfrm>
+        </p:spPr>
+      </p:pic>
+    </p:spTree>
+    <p:extLst>
+      <p:ext uri="{BB962C8B-B14F-4D97-AF65-F5344CB8AC3E}">
+        <p14:creationId xmlns:p14="http://schemas.microsoft.com/office/powerpoint/2010/main" val="2390977605"/>
+      </p:ext>
+    </p:extLst>
+  </p:cSld>
+  <p:clrMapOvr>
+    <a:masterClrMapping/>
+  </p:clrMapOvr>
+  <p:timing>
+    <p:tnLst>
+      <p:par>
+        <p:cTn id="1" dur="indefinite" restart="never" nodeType="tmRoot"/>
+      </p:par>
+    </p:tnLst>
+  </p:timing>
+</p:sld>
+</file>
+
+<file path=ppt/slides/slide38.xml><?xml version="1.0" encoding="utf-8"?>
+<p:sld xmlns:a="http://schemas.openxmlformats.org/drawingml/2006/main" xmlns:r="http://schemas.openxmlformats.org/officeDocument/2006/relationships" xmlns:p="http://schemas.openxmlformats.org/presentationml/2006/main">
+  <p:cSld>
+    <p:spTree>
+      <p:nvGrpSpPr>
+        <p:cNvPr id="1" name=""/>
+        <p:cNvGrpSpPr/>
+        <p:nvPr/>
+      </p:nvGrpSpPr>
+      <p:grpSpPr>
+        <a:xfrm>
+          <a:off x="0" y="0"/>
+          <a:ext cx="0" cy="0"/>
+          <a:chOff x="0" y="0"/>
+          <a:chExt cx="0" cy="0"/>
+        </a:xfrm>
+      </p:grpSpPr>
+      <p:sp>
+        <p:nvSpPr>
+          <p:cNvPr id="2" name="Title 1"/>
+          <p:cNvSpPr>
+            <a:spLocks noGrp="1"/>
+          </p:cNvSpPr>
+          <p:nvPr>
+            <p:ph type="title"/>
+          </p:nvPr>
+        </p:nvSpPr>
+        <p:spPr>
+          <a:xfrm>
+            <a:off x="587182" y="2567189"/>
+            <a:ext cx="8596668" cy="1320800"/>
+          </a:xfrm>
+        </p:spPr>
+        <p:txBody>
+          <a:bodyPr>
+            <a:noAutofit/>
+          </a:bodyPr>
+          <a:lstStyle/>
+          <a:p>
+            <a:pPr algn="ctr"/>
+            <a:r>
+              <a:rPr lang="en-US" sz="9600" dirty="0" smtClean="0"/>
+              <a:t>Thank You</a:t>
+            </a:r>
+            <a:endParaRPr lang="en-US" sz="9600" dirty="0"/>
+          </a:p>
+        </p:txBody>
+      </p:sp>
+    </p:spTree>
+    <p:extLst>
+      <p:ext uri="{BB962C8B-B14F-4D97-AF65-F5344CB8AC3E}">
+        <p14:creationId xmlns:p14="http://schemas.microsoft.com/office/powerpoint/2010/main" val="1886184651"/>
       </p:ext>
     </p:extLst>
   </p:cSld>
@@ -7155,7 +8988,7 @@
           <p:cNvPr id="2" name="Title 1">
             <a:extLst>
               <a:ext uri="{FF2B5EF4-FFF2-40B4-BE49-F238E27FC236}">
-                <a16:creationId xmlns:a16="http://schemas.microsoft.com/office/drawing/2014/main" id="{4FD0EC30-1F00-4B25-B1C1-596FFC783547}"/>
+                <a16:creationId xmlns="" xmlns:a16="http://schemas.microsoft.com/office/drawing/2014/main" id="{4FD0EC30-1F00-4B25-B1C1-596FFC783547}"/>
               </a:ext>
             </a:extLst>
           </p:cNvPr>
@@ -7249,7 +9082,7 @@
           <p:cNvPr id="2" name="Title 1">
             <a:extLst>
               <a:ext uri="{FF2B5EF4-FFF2-40B4-BE49-F238E27FC236}">
-                <a16:creationId xmlns:a16="http://schemas.microsoft.com/office/drawing/2014/main" id="{05BA976B-CBDA-4A5C-A81F-8D2DDA06C63F}"/>
+                <a16:creationId xmlns="" xmlns:a16="http://schemas.microsoft.com/office/drawing/2014/main" id="{05BA976B-CBDA-4A5C-A81F-8D2DDA06C63F}"/>
               </a:ext>
             </a:extLst>
           </p:cNvPr>
@@ -7296,8 +9129,8 @@
         </p:blipFill>
         <p:spPr>
           <a:xfrm>
-            <a:off x="4063245" y="1163782"/>
-            <a:ext cx="1908063" cy="4792923"/>
+            <a:off x="3412901" y="576119"/>
+            <a:ext cx="5499279" cy="5844226"/>
           </a:xfrm>
         </p:spPr>
       </p:pic>
@@ -7343,7 +9176,7 @@
           <p:cNvPr id="2" name="Title 1">
             <a:extLst>
               <a:ext uri="{FF2B5EF4-FFF2-40B4-BE49-F238E27FC236}">
-                <a16:creationId xmlns:a16="http://schemas.microsoft.com/office/drawing/2014/main" id="{05BA976B-CBDA-4A5C-A81F-8D2DDA06C63F}"/>
+                <a16:creationId xmlns="" xmlns:a16="http://schemas.microsoft.com/office/drawing/2014/main" id="{05BA976B-CBDA-4A5C-A81F-8D2DDA06C63F}"/>
               </a:ext>
             </a:extLst>
           </p:cNvPr>
@@ -7390,8 +9223,8 @@
         </p:blipFill>
         <p:spPr>
           <a:xfrm>
-            <a:off x="2491583" y="1607128"/>
-            <a:ext cx="4417573" cy="4434898"/>
+            <a:off x="2491583" y="1249251"/>
+            <a:ext cx="5776654" cy="4792775"/>
           </a:xfrm>
         </p:spPr>
       </p:pic>
@@ -7437,7 +9270,7 @@
           <p:cNvPr id="2" name="Title 1">
             <a:extLst>
               <a:ext uri="{FF2B5EF4-FFF2-40B4-BE49-F238E27FC236}">
-                <a16:creationId xmlns:a16="http://schemas.microsoft.com/office/drawing/2014/main" id="{05BA976B-CBDA-4A5C-A81F-8D2DDA06C63F}"/>
+                <a16:creationId xmlns="" xmlns:a16="http://schemas.microsoft.com/office/drawing/2014/main" id="{05BA976B-CBDA-4A5C-A81F-8D2DDA06C63F}"/>
               </a:ext>
             </a:extLst>
           </p:cNvPr>
@@ -7531,7 +9364,7 @@
           <p:cNvPr id="2" name="Title 1">
             <a:extLst>
               <a:ext uri="{FF2B5EF4-FFF2-40B4-BE49-F238E27FC236}">
-                <a16:creationId xmlns:a16="http://schemas.microsoft.com/office/drawing/2014/main" id="{05BA976B-CBDA-4A5C-A81F-8D2DDA06C63F}"/>
+                <a16:creationId xmlns="" xmlns:a16="http://schemas.microsoft.com/office/drawing/2014/main" id="{05BA976B-CBDA-4A5C-A81F-8D2DDA06C63F}"/>
               </a:ext>
             </a:extLst>
           </p:cNvPr>
@@ -7578,8 +9411,8 @@
         </p:blipFill>
         <p:spPr>
           <a:xfrm>
-            <a:off x="1273502" y="1579418"/>
-            <a:ext cx="6551788" cy="4462607"/>
+            <a:off x="1273502" y="1313646"/>
+            <a:ext cx="6551788" cy="4728380"/>
           </a:xfrm>
         </p:spPr>
       </p:pic>
@@ -7625,7 +9458,7 @@
           <p:cNvPr id="2" name="Title 1">
             <a:extLst>
               <a:ext uri="{FF2B5EF4-FFF2-40B4-BE49-F238E27FC236}">
-                <a16:creationId xmlns:a16="http://schemas.microsoft.com/office/drawing/2014/main" id="{05BA976B-CBDA-4A5C-A81F-8D2DDA06C63F}"/>
+                <a16:creationId xmlns="" xmlns:a16="http://schemas.microsoft.com/office/drawing/2014/main" id="{05BA976B-CBDA-4A5C-A81F-8D2DDA06C63F}"/>
               </a:ext>
             </a:extLst>
           </p:cNvPr>
@@ -7672,8 +9505,8 @@
         </p:blipFill>
         <p:spPr>
           <a:xfrm>
-            <a:off x="1441366" y="2160588"/>
-            <a:ext cx="7069305" cy="3881437"/>
+            <a:off x="1441366" y="1300766"/>
+            <a:ext cx="7069305" cy="4741259"/>
           </a:xfrm>
         </p:spPr>
       </p:pic>
@@ -7740,7 +9573,7 @@
     </a:clrScheme>
     <a:fontScheme name="Facet">
       <a:majorFont>
-        <a:latin typeface="Trebuchet MS" panose="020B0603020202020204"/>
+        <a:latin typeface="Trebuchet MS"/>
         <a:ea typeface=""/>
         <a:cs typeface=""/>
         <a:font script="Jpan" typeface="メイリオ"/>
@@ -7775,7 +9608,7 @@
         <a:font script="Geor" typeface="Sylfaen"/>
       </a:majorFont>
       <a:minorFont>
-        <a:latin typeface="Trebuchet MS" panose="020B0603020202020204"/>
+        <a:latin typeface="Trebuchet MS"/>
         <a:ea typeface=""/>
         <a:cs typeface=""/>
         <a:font script="Jpan" typeface="メイリオ"/>
@@ -7948,7 +9781,7 @@
   <a:extraClrSchemeLst/>
   <a:extLst>
     <a:ext uri="{05A4C25C-085E-4340-85A3-A5531E510DB2}">
-      <thm15:themeFamily xmlns:thm15="http://schemas.microsoft.com/office/thememl/2012/main" name="Facet" id="{C0C680CD-088A-49FC-A102-D699147F32B2}" vid="{CFBC31BA-B70F-4F30-BCAA-4F3011E16C4D}"/>
+      <thm15:themeFamily xmlns="" xmlns:thm15="http://schemas.microsoft.com/office/thememl/2012/main" name="Facet" id="{C0C680CD-088A-49FC-A102-D699147F32B2}" vid="{CFBC31BA-B70F-4F30-BCAA-4F3011E16C4D}"/>
     </a:ext>
   </a:extLst>
 </a:theme>
